--- a/03案例分享/项目案例.pptx
+++ b/03案例分享/项目案例.pptx
@@ -5,22 +5,23 @@
     <p:sldMasterId id="2147483709" r:id="rId1"/>
   </p:sldMasterIdLst>
   <p:notesMasterIdLst>
-    <p:notesMasterId r:id="rId12"/>
+    <p:notesMasterId r:id="rId13"/>
   </p:notesMasterIdLst>
   <p:handoutMasterIdLst>
-    <p:handoutMasterId r:id="rId13"/>
+    <p:handoutMasterId r:id="rId14"/>
   </p:handoutMasterIdLst>
   <p:sldIdLst>
     <p:sldId id="256" r:id="rId2"/>
     <p:sldId id="265" r:id="rId3"/>
     <p:sldId id="323" r:id="rId4"/>
-    <p:sldId id="316" r:id="rId5"/>
-    <p:sldId id="317" r:id="rId6"/>
-    <p:sldId id="318" r:id="rId7"/>
-    <p:sldId id="322" r:id="rId8"/>
-    <p:sldId id="320" r:id="rId9"/>
-    <p:sldId id="321" r:id="rId10"/>
-    <p:sldId id="324" r:id="rId11"/>
+    <p:sldId id="325" r:id="rId5"/>
+    <p:sldId id="316" r:id="rId6"/>
+    <p:sldId id="317" r:id="rId7"/>
+    <p:sldId id="318" r:id="rId8"/>
+    <p:sldId id="322" r:id="rId9"/>
+    <p:sldId id="320" r:id="rId10"/>
+    <p:sldId id="321" r:id="rId11"/>
+    <p:sldId id="324" r:id="rId12"/>
   </p:sldIdLst>
   <p:sldSz cx="12192000" cy="6858000"/>
   <p:notesSz cx="6858000" cy="9144000"/>
@@ -212,7 +213,7 @@
           <a:p>
             <a:fld id="{6A94A706-AF46-48B8-AC29-64B80E7034C6}" type="datetimeFigureOut">
               <a:rPr lang="zh-CN" altLang="en-US" smtClean="0"/>
-              <a:t>2018/7/4</a:t>
+              <a:t>2018/7/17</a:t>
             </a:fld>
             <a:endParaRPr lang="zh-CN" altLang="en-US"/>
           </a:p>
@@ -377,7 +378,7 @@
           <a:p>
             <a:fld id="{B6BDBB5A-38E1-4322-89CD-4825C7CECB2F}" type="datetimeFigureOut">
               <a:rPr lang="zh-CN" altLang="en-US" smtClean="0"/>
-              <a:t>2018/7/4</a:t>
+              <a:t>2018/7/17</a:t>
             </a:fld>
             <a:endParaRPr lang="zh-CN" altLang="en-US"/>
           </a:p>
@@ -806,7 +807,7 @@
           <a:p>
             <a:fld id="{36B18144-C909-42AB-BDA2-6431DEA04BAF}" type="datetimeFigureOut">
               <a:rPr lang="zh-CN" altLang="en-US" smtClean="0"/>
-              <a:t>2018/7/4</a:t>
+              <a:t>2018/7/17</a:t>
             </a:fld>
             <a:endParaRPr lang="zh-CN" altLang="en-US"/>
           </a:p>
@@ -1015,7 +1016,7 @@
           <a:p>
             <a:fld id="{36B18144-C909-42AB-BDA2-6431DEA04BAF}" type="datetimeFigureOut">
               <a:rPr lang="zh-CN" altLang="en-US" smtClean="0"/>
-              <a:t>2018/7/4</a:t>
+              <a:t>2018/7/17</a:t>
             </a:fld>
             <a:endParaRPr lang="zh-CN" altLang="en-US"/>
           </a:p>
@@ -1226,7 +1227,7 @@
           <a:p>
             <a:fld id="{36B18144-C909-42AB-BDA2-6431DEA04BAF}" type="datetimeFigureOut">
               <a:rPr lang="zh-CN" altLang="en-US" smtClean="0"/>
-              <a:t>2018/7/4</a:t>
+              <a:t>2018/7/17</a:t>
             </a:fld>
             <a:endParaRPr lang="zh-CN" altLang="en-US"/>
           </a:p>
@@ -1352,7 +1353,7 @@
           <a:p>
             <a:fld id="{36B18144-C909-42AB-BDA2-6431DEA04BAF}" type="datetimeFigureOut">
               <a:rPr lang="zh-CN" altLang="en-US" smtClean="0"/>
-              <a:t>2018/7/4</a:t>
+              <a:t>2018/7/17</a:t>
             </a:fld>
             <a:endParaRPr lang="zh-CN" altLang="en-US"/>
           </a:p>
@@ -1603,7 +1604,7 @@
           <a:p>
             <a:fld id="{36B18144-C909-42AB-BDA2-6431DEA04BAF}" type="datetimeFigureOut">
               <a:rPr lang="zh-CN" altLang="en-US" smtClean="0"/>
-              <a:t>2018/7/4</a:t>
+              <a:t>2018/7/17</a:t>
             </a:fld>
             <a:endParaRPr lang="zh-CN" altLang="en-US"/>
           </a:p>
@@ -1868,7 +1869,7 @@
           <a:p>
             <a:fld id="{36B18144-C909-42AB-BDA2-6431DEA04BAF}" type="datetimeFigureOut">
               <a:rPr lang="zh-CN" altLang="en-US" smtClean="0"/>
-              <a:t>2018/7/4</a:t>
+              <a:t>2018/7/17</a:t>
             </a:fld>
             <a:endParaRPr lang="zh-CN" altLang="en-US"/>
           </a:p>
@@ -2202,7 +2203,7 @@
           <a:p>
             <a:fld id="{36B18144-C909-42AB-BDA2-6431DEA04BAF}" type="datetimeFigureOut">
               <a:rPr lang="zh-CN" altLang="en-US" smtClean="0"/>
-              <a:t>2018/7/4</a:t>
+              <a:t>2018/7/17</a:t>
             </a:fld>
             <a:endParaRPr lang="zh-CN" altLang="en-US"/>
           </a:p>
@@ -2473,7 +2474,7 @@
           <a:p>
             <a:fld id="{36B18144-C909-42AB-BDA2-6431DEA04BAF}" type="datetimeFigureOut">
               <a:rPr lang="zh-CN" altLang="en-US" smtClean="0"/>
-              <a:t>2018/7/4</a:t>
+              <a:t>2018/7/17</a:t>
             </a:fld>
             <a:endParaRPr lang="zh-CN" altLang="en-US"/>
           </a:p>
@@ -2871,7 +2872,7 @@
           <a:p>
             <a:fld id="{36B18144-C909-42AB-BDA2-6431DEA04BAF}" type="datetimeFigureOut">
               <a:rPr lang="zh-CN" altLang="en-US" smtClean="0"/>
-              <a:t>2018/7/4</a:t>
+              <a:t>2018/7/17</a:t>
             </a:fld>
             <a:endParaRPr lang="zh-CN" altLang="en-US"/>
           </a:p>
@@ -3028,7 +3029,7 @@
           <a:p>
             <a:fld id="{36B18144-C909-42AB-BDA2-6431DEA04BAF}" type="datetimeFigureOut">
               <a:rPr lang="zh-CN" altLang="en-US" smtClean="0"/>
-              <a:t>2018/7/4</a:t>
+              <a:t>2018/7/17</a:t>
             </a:fld>
             <a:endParaRPr lang="zh-CN" altLang="en-US"/>
           </a:p>
@@ -3168,7 +3169,7 @@
           <a:p>
             <a:fld id="{36B18144-C909-42AB-BDA2-6431DEA04BAF}" type="datetimeFigureOut">
               <a:rPr lang="zh-CN" altLang="en-US" smtClean="0"/>
-              <a:t>2018/7/4</a:t>
+              <a:t>2018/7/17</a:t>
             </a:fld>
             <a:endParaRPr lang="zh-CN" altLang="en-US"/>
           </a:p>
@@ -3476,7 +3477,7 @@
           <a:p>
             <a:fld id="{36B18144-C909-42AB-BDA2-6431DEA04BAF}" type="datetimeFigureOut">
               <a:rPr lang="zh-CN" altLang="en-US" smtClean="0"/>
-              <a:t>2018/7/4</a:t>
+              <a:t>2018/7/17</a:t>
             </a:fld>
             <a:endParaRPr lang="zh-CN" altLang="en-US"/>
           </a:p>
@@ -3764,7 +3765,7 @@
           <a:p>
             <a:fld id="{36B18144-C909-42AB-BDA2-6431DEA04BAF}" type="datetimeFigureOut">
               <a:rPr lang="zh-CN" altLang="en-US" smtClean="0"/>
-              <a:t>2018/7/4</a:t>
+              <a:t>2018/7/17</a:t>
             </a:fld>
             <a:endParaRPr lang="zh-CN" altLang="en-US"/>
           </a:p>
@@ -3999,7 +4000,7 @@
           <a:p>
             <a:fld id="{36B18144-C909-42AB-BDA2-6431DEA04BAF}" type="datetimeFigureOut">
               <a:rPr lang="zh-CN" altLang="en-US" smtClean="0"/>
-              <a:t>2018/7/4</a:t>
+              <a:t>2018/7/17</a:t>
             </a:fld>
             <a:endParaRPr lang="zh-CN" altLang="en-US"/>
           </a:p>
@@ -4453,11 +4454,7 @@
           <a:p>
             <a:r>
               <a:rPr lang="zh-CN" altLang="en-US" dirty="0" smtClean="0"/>
-              <a:t>华兴外联网关项目</a:t>
-            </a:r>
-            <a:r>
-              <a:rPr lang="zh-CN" altLang="en-US" dirty="0" smtClean="0"/>
-              <a:t>组</a:t>
+              <a:t>华兴外联网关项目组</a:t>
             </a:r>
             <a:endParaRPr lang="zh-CN" altLang="en-US" dirty="0"/>
           </a:p>
@@ -4517,6 +4514,144 @@
           <a:p>
             <a:r>
               <a:rPr lang="zh-CN" altLang="en-US" dirty="0" smtClean="0"/>
+              <a:t>项目成效介绍（必须）</a:t>
+            </a:r>
+            <a:endParaRPr lang="zh-CN" altLang="en-US" dirty="0"/>
+          </a:p>
+        </p:txBody>
+      </p:sp>
+      <p:sp>
+        <p:nvSpPr>
+          <p:cNvPr id="3" name="内容占位符 2"/>
+          <p:cNvSpPr>
+            <a:spLocks noGrp="1"/>
+          </p:cNvSpPr>
+          <p:nvPr>
+            <p:ph idx="1"/>
+          </p:nvPr>
+        </p:nvSpPr>
+        <p:spPr>
+          <a:xfrm>
+            <a:off x="145143" y="1128199"/>
+            <a:ext cx="11208657" cy="4351338"/>
+          </a:xfrm>
+        </p:spPr>
+        <p:txBody>
+          <a:bodyPr/>
+          <a:lstStyle/>
+          <a:p>
+            <a:pPr>
+              <a:lnSpc>
+                <a:spcPct val="150000"/>
+              </a:lnSpc>
+            </a:pPr>
+            <a:r>
+              <a:rPr lang="zh-CN" altLang="en-US" dirty="0" smtClean="0"/>
+              <a:t>项目开展的营销活动及效果。（</a:t>
+            </a:r>
+            <a:r>
+              <a:rPr lang="zh-CN" altLang="en-US" dirty="0"/>
+              <a:t>用户</a:t>
+            </a:r>
+            <a:r>
+              <a:rPr lang="zh-CN" altLang="en-US" dirty="0" smtClean="0"/>
+              <a:t>数量新增、</a:t>
+            </a:r>
+            <a:r>
+              <a:rPr lang="zh-CN" altLang="en-US" dirty="0"/>
+              <a:t>用户活跃</a:t>
+            </a:r>
+            <a:r>
+              <a:rPr lang="zh-CN" altLang="en-US" dirty="0" smtClean="0"/>
+              <a:t>度提升、</a:t>
+            </a:r>
+            <a:r>
+              <a:rPr lang="zh-CN" altLang="en-US" dirty="0"/>
+              <a:t>产品销售</a:t>
+            </a:r>
+            <a:r>
+              <a:rPr lang="zh-CN" altLang="en-US" dirty="0" smtClean="0"/>
+              <a:t>收入等效果）</a:t>
+            </a:r>
+            <a:endParaRPr lang="en-US" altLang="zh-CN" dirty="0" smtClean="0"/>
+          </a:p>
+          <a:p>
+            <a:pPr>
+              <a:lnSpc>
+                <a:spcPct val="150000"/>
+              </a:lnSpc>
+            </a:pPr>
+            <a:r>
+              <a:rPr lang="zh-CN" altLang="en-US" dirty="0" smtClean="0"/>
+              <a:t>项目相关数据。（用户存量数据、活跃用户数、月均销售数据等</a:t>
+            </a:r>
+            <a:r>
+              <a:rPr lang="zh-CN" altLang="en-US" sz="1800" dirty="0" smtClean="0"/>
+              <a:t>（结合客户考核</a:t>
+            </a:r>
+            <a:r>
+              <a:rPr lang="en-US" altLang="zh-CN" sz="1800" dirty="0" smtClean="0"/>
+              <a:t>KPI</a:t>
+            </a:r>
+            <a:r>
+              <a:rPr lang="zh-CN" altLang="en-US" sz="1800" dirty="0" smtClean="0"/>
+              <a:t>）</a:t>
+            </a:r>
+            <a:r>
+              <a:rPr lang="zh-CN" altLang="en-US" dirty="0"/>
+              <a:t>）</a:t>
+            </a:r>
+            <a:endParaRPr lang="en-US" altLang="zh-CN" dirty="0"/>
+          </a:p>
+        </p:txBody>
+      </p:sp>
+    </p:spTree>
+    <p:extLst>
+      <p:ext uri="{BB962C8B-B14F-4D97-AF65-F5344CB8AC3E}">
+        <p14:creationId xmlns:p14="http://schemas.microsoft.com/office/powerpoint/2010/main" val="868421718"/>
+      </p:ext>
+    </p:extLst>
+  </p:cSld>
+  <p:clrMapOvr>
+    <a:masterClrMapping/>
+  </p:clrMapOvr>
+</p:sld>
+</file>
+
+<file path=ppt/slides/slide11.xml><?xml version="1.0" encoding="utf-8"?>
+<p:sld xmlns:a="http://schemas.openxmlformats.org/drawingml/2006/main" xmlns:r="http://schemas.openxmlformats.org/officeDocument/2006/relationships" xmlns:p="http://schemas.openxmlformats.org/presentationml/2006/main">
+  <p:cSld>
+    <p:spTree>
+      <p:nvGrpSpPr>
+        <p:cNvPr id="1" name=""/>
+        <p:cNvGrpSpPr/>
+        <p:nvPr/>
+      </p:nvGrpSpPr>
+      <p:grpSpPr>
+        <a:xfrm>
+          <a:off x="0" y="0"/>
+          <a:ext cx="0" cy="0"/>
+          <a:chOff x="0" y="0"/>
+          <a:chExt cx="0" cy="0"/>
+        </a:xfrm>
+      </p:grpSpPr>
+      <p:sp>
+        <p:nvSpPr>
+          <p:cNvPr id="2" name="标题 1"/>
+          <p:cNvSpPr>
+            <a:spLocks noGrp="1"/>
+          </p:cNvSpPr>
+          <p:nvPr>
+            <p:ph type="title"/>
+          </p:nvPr>
+        </p:nvSpPr>
+        <p:spPr/>
+        <p:txBody>
+          <a:bodyPr/>
+          <a:lstStyle/>
+          <a:p>
+            <a:r>
+              <a:rPr lang="zh-CN" altLang="en-US" dirty="0" smtClean="0"/>
               <a:t>其他认为必要体现的内容（可选）</a:t>
             </a:r>
             <a:endParaRPr lang="zh-CN" altLang="en-US" dirty="0"/>
@@ -4659,8 +4794,8 @@
         </p:nvSpPr>
         <p:spPr bwMode="auto">
           <a:xfrm>
-            <a:off x="278970" y="4892321"/>
-            <a:ext cx="4673767" cy="1143008"/>
+            <a:off x="278970" y="4892320"/>
+            <a:ext cx="4673767" cy="1494831"/>
           </a:xfrm>
           <a:prstGeom prst="roundRect">
             <a:avLst>
@@ -4715,7 +4850,7 @@
         </p:nvSpPr>
         <p:spPr bwMode="auto">
           <a:xfrm>
-            <a:off x="278970" y="3106371"/>
+            <a:off x="278970" y="3061180"/>
             <a:ext cx="4673767" cy="1143008"/>
           </a:xfrm>
           <a:prstGeom prst="roundRect">
@@ -4843,8 +4978,8 @@
         </p:nvSpPr>
         <p:spPr bwMode="auto">
           <a:xfrm>
-            <a:off x="278970" y="1940145"/>
-            <a:ext cx="4433159" cy="313932"/>
+            <a:off x="278970" y="1829346"/>
+            <a:ext cx="4433159" cy="535531"/>
           </a:xfrm>
           <a:prstGeom prst="rect">
             <a:avLst/>
@@ -4994,7 +5129,7 @@
               <a:rPr lang="zh-CN" altLang="en-US" sz="1200" b="0" i="0" dirty="0" smtClean="0">
                 <a:ea typeface="微软雅黑" panose="020B0503020204020204" pitchFamily="34" charset="-122"/>
               </a:rPr>
-              <a:t>客户实施背景介绍，如客户预期要解决什么问题，</a:t>
+              <a:t>银行需要快速对接多家第三方平台，并且确保网络通讯与数据传输的安全性。</a:t>
             </a:r>
             <a:endParaRPr lang="zh-CN" altLang="en-US" sz="1200" b="0" i="0" dirty="0">
               <a:ea typeface="微软雅黑" panose="020B0503020204020204" pitchFamily="34" charset="-122"/>
@@ -5243,13 +5378,19 @@
               <a:rPr lang="zh-CN" altLang="en-US" sz="1200" b="0" i="0" dirty="0" smtClean="0">
                 <a:ea typeface="微软雅黑" panose="020B0503020204020204" pitchFamily="34" charset="-122"/>
               </a:rPr>
-              <a:t>建设目标、主管业务部门、目标客群、建设内容、建设周期、项目规模（人月）、开发平台、后续分期</a:t>
+              <a:t>为了能快速对接行外系统以及接入第三方平台，华兴的基础渠道平台室组织开发外联</a:t>
             </a:r>
             <a:r>
               <a:rPr lang="en-US" altLang="zh-CN" sz="1200" b="0" i="0" dirty="0" smtClean="0">
                 <a:ea typeface="微软雅黑" panose="020B0503020204020204" pitchFamily="34" charset="-122"/>
               </a:rPr>
-              <a:t>…………</a:t>
+              <a:t>API</a:t>
+            </a:r>
+            <a:r>
+              <a:rPr lang="zh-CN" altLang="en-US" sz="1200" b="0" i="0" dirty="0" smtClean="0">
+                <a:ea typeface="微软雅黑" panose="020B0503020204020204" pitchFamily="34" charset="-122"/>
+              </a:rPr>
+              <a:t>网关系统。预计</a:t>
             </a:r>
             <a:endParaRPr lang="en-US" altLang="zh-CN" sz="1200" b="0" i="0" dirty="0">
               <a:ea typeface="微软雅黑" panose="020B0503020204020204" pitchFamily="34" charset="-122"/>
@@ -5265,7 +5406,7 @@
         </p:nvSpPr>
         <p:spPr bwMode="auto">
           <a:xfrm>
-            <a:off x="577562" y="4627188"/>
+            <a:off x="577562" y="4545227"/>
             <a:ext cx="2159025" cy="487354"/>
           </a:xfrm>
           <a:prstGeom prst="roundRect">
@@ -5337,8 +5478,8 @@
         </p:nvSpPr>
         <p:spPr bwMode="auto">
           <a:xfrm>
-            <a:off x="399271" y="5053912"/>
-            <a:ext cx="4433159" cy="757130"/>
+            <a:off x="399271" y="4841868"/>
+            <a:ext cx="4433159" cy="1181221"/>
           </a:xfrm>
           <a:prstGeom prst="rect">
             <a:avLst/>
@@ -5484,169 +5625,10 @@
                 <a:spcPct val="120000"/>
               </a:lnSpc>
             </a:pPr>
-            <a:r>
-              <a:rPr lang="zh-CN" altLang="en-US" sz="1200" b="0" i="0" dirty="0" smtClean="0">
-                <a:ea typeface="微软雅黑" panose="020B0503020204020204" pitchFamily="34" charset="-122"/>
-              </a:rPr>
-              <a:t>预期要解决的问题解决的如何？客户数量如何？交易量如何？业务部门反馈如何？是否有行业影响力？带来了什么后续机会？是否形成了什么产品？</a:t>
-            </a:r>
-            <a:endParaRPr lang="en-US" altLang="zh-CN" sz="1200" b="0" i="0" dirty="0">
+            <a:endParaRPr lang="en-US" altLang="zh-CN" sz="1200" b="0" i="0" dirty="0" smtClean="0">
               <a:ea typeface="微软雅黑" panose="020B0503020204020204" pitchFamily="34" charset="-122"/>
             </a:endParaRPr>
           </a:p>
-        </p:txBody>
-      </p:sp>
-      <p:sp>
-        <p:nvSpPr>
-          <p:cNvPr id="15" name="Rectangle 3"/>
-          <p:cNvSpPr>
-            <a:spLocks noChangeArrowheads="1"/>
-          </p:cNvSpPr>
-          <p:nvPr/>
-        </p:nvSpPr>
-        <p:spPr bwMode="auto">
-          <a:xfrm>
-            <a:off x="8103988" y="6173750"/>
-            <a:ext cx="3511992" cy="535531"/>
-          </a:xfrm>
-          <a:prstGeom prst="rect">
-            <a:avLst/>
-          </a:prstGeom>
-          <a:noFill/>
-          <a:ln>
-            <a:noFill/>
-          </a:ln>
-          <a:extLst>
-            <a:ext uri="{909E8E84-426E-40DD-AFC4-6F175D3DCCD1}">
-              <a14:hiddenFill xmlns:a14="http://schemas.microsoft.com/office/drawing/2010/main">
-                <a:solidFill>
-                  <a:srgbClr val="FFFFFF"/>
-                </a:solidFill>
-              </a14:hiddenFill>
-            </a:ext>
-            <a:ext uri="{91240B29-F687-4F45-9708-019B960494DF}">
-              <a14:hiddenLine xmlns:a14="http://schemas.microsoft.com/office/drawing/2010/main" w="9525">
-                <a:solidFill>
-                  <a:srgbClr val="000000"/>
-                </a:solidFill>
-                <a:miter lim="800000"/>
-                <a:headEnd/>
-                <a:tailEnd/>
-              </a14:hiddenLine>
-            </a:ext>
-          </a:extLst>
-        </p:spPr>
-        <p:txBody>
-          <a:bodyPr wrap="square" anchor="ctr">
-            <a:spAutoFit/>
-          </a:bodyPr>
-          <a:lstStyle>
-            <a:lvl1pPr>
-              <a:defRPr b="1" i="1">
-                <a:solidFill>
-                  <a:schemeClr val="tx1"/>
-                </a:solidFill>
-                <a:latin typeface="Arial" panose="020B0604020202020204" pitchFamily="34" charset="0"/>
-                <a:ea typeface="华文细黑" panose="02010600040101010101" pitchFamily="2" charset="-122"/>
-              </a:defRPr>
-            </a:lvl1pPr>
-            <a:lvl2pPr marL="742950" indent="-285750">
-              <a:defRPr b="1" i="1">
-                <a:solidFill>
-                  <a:schemeClr val="tx1"/>
-                </a:solidFill>
-                <a:latin typeface="Arial" panose="020B0604020202020204" pitchFamily="34" charset="0"/>
-                <a:ea typeface="华文细黑" panose="02010600040101010101" pitchFamily="2" charset="-122"/>
-              </a:defRPr>
-            </a:lvl2pPr>
-            <a:lvl3pPr marL="1143000" indent="-228600">
-              <a:defRPr b="1" i="1">
-                <a:solidFill>
-                  <a:schemeClr val="tx1"/>
-                </a:solidFill>
-                <a:latin typeface="Arial" panose="020B0604020202020204" pitchFamily="34" charset="0"/>
-                <a:ea typeface="华文细黑" panose="02010600040101010101" pitchFamily="2" charset="-122"/>
-              </a:defRPr>
-            </a:lvl3pPr>
-            <a:lvl4pPr marL="1600200" indent="-228600">
-              <a:defRPr b="1" i="1">
-                <a:solidFill>
-                  <a:schemeClr val="tx1"/>
-                </a:solidFill>
-                <a:latin typeface="Arial" panose="020B0604020202020204" pitchFamily="34" charset="0"/>
-                <a:ea typeface="华文细黑" panose="02010600040101010101" pitchFamily="2" charset="-122"/>
-              </a:defRPr>
-            </a:lvl4pPr>
-            <a:lvl5pPr marL="2057400" indent="-228600">
-              <a:defRPr b="1" i="1">
-                <a:solidFill>
-                  <a:schemeClr val="tx1"/>
-                </a:solidFill>
-                <a:latin typeface="Arial" panose="020B0604020202020204" pitchFamily="34" charset="0"/>
-                <a:ea typeface="华文细黑" panose="02010600040101010101" pitchFamily="2" charset="-122"/>
-              </a:defRPr>
-            </a:lvl5pPr>
-            <a:lvl6pPr marL="2514600" indent="-228600" fontAlgn="base">
-              <a:spcBef>
-                <a:spcPct val="0"/>
-              </a:spcBef>
-              <a:spcAft>
-                <a:spcPct val="0"/>
-              </a:spcAft>
-              <a:defRPr b="1" i="1">
-                <a:solidFill>
-                  <a:schemeClr val="tx1"/>
-                </a:solidFill>
-                <a:latin typeface="Arial" panose="020B0604020202020204" pitchFamily="34" charset="0"/>
-                <a:ea typeface="华文细黑" panose="02010600040101010101" pitchFamily="2" charset="-122"/>
-              </a:defRPr>
-            </a:lvl6pPr>
-            <a:lvl7pPr marL="2971800" indent="-228600" fontAlgn="base">
-              <a:spcBef>
-                <a:spcPct val="0"/>
-              </a:spcBef>
-              <a:spcAft>
-                <a:spcPct val="0"/>
-              </a:spcAft>
-              <a:defRPr b="1" i="1">
-                <a:solidFill>
-                  <a:schemeClr val="tx1"/>
-                </a:solidFill>
-                <a:latin typeface="Arial" panose="020B0604020202020204" pitchFamily="34" charset="0"/>
-                <a:ea typeface="华文细黑" panose="02010600040101010101" pitchFamily="2" charset="-122"/>
-              </a:defRPr>
-            </a:lvl7pPr>
-            <a:lvl8pPr marL="3429000" indent="-228600" fontAlgn="base">
-              <a:spcBef>
-                <a:spcPct val="0"/>
-              </a:spcBef>
-              <a:spcAft>
-                <a:spcPct val="0"/>
-              </a:spcAft>
-              <a:defRPr b="1" i="1">
-                <a:solidFill>
-                  <a:schemeClr val="tx1"/>
-                </a:solidFill>
-                <a:latin typeface="Arial" panose="020B0604020202020204" pitchFamily="34" charset="0"/>
-                <a:ea typeface="华文细黑" panose="02010600040101010101" pitchFamily="2" charset="-122"/>
-              </a:defRPr>
-            </a:lvl8pPr>
-            <a:lvl9pPr marL="3886200" indent="-228600" fontAlgn="base">
-              <a:spcBef>
-                <a:spcPct val="0"/>
-              </a:spcBef>
-              <a:spcAft>
-                <a:spcPct val="0"/>
-              </a:spcAft>
-              <a:defRPr b="1" i="1">
-                <a:solidFill>
-                  <a:schemeClr val="tx1"/>
-                </a:solidFill>
-                <a:latin typeface="Arial" panose="020B0604020202020204" pitchFamily="34" charset="0"/>
-                <a:ea typeface="华文细黑" panose="02010600040101010101" pitchFamily="2" charset="-122"/>
-              </a:defRPr>
-            </a:lvl9pPr>
-          </a:lstStyle>
           <a:p>
             <a:pPr>
               <a:lnSpc>
@@ -5657,23 +5639,339 @@
               <a:rPr lang="zh-CN" altLang="en-US" sz="1200" b="0" i="0" dirty="0" smtClean="0">
                 <a:ea typeface="微软雅黑" panose="020B0503020204020204" pitchFamily="34" charset="-122"/>
               </a:rPr>
-              <a:t>最可体现项目价值的一张图，可以是</a:t>
+              <a:t>系统的成功落地，促使华兴</a:t>
             </a:r>
             <a:r>
               <a:rPr lang="en-US" altLang="zh-CN" sz="1200" b="0" i="0" dirty="0" smtClean="0">
                 <a:ea typeface="微软雅黑" panose="020B0503020204020204" pitchFamily="34" charset="-122"/>
               </a:rPr>
-              <a:t>UI</a:t>
+              <a:t>P2P</a:t>
             </a:r>
             <a:r>
               <a:rPr lang="zh-CN" altLang="en-US" sz="1200" b="0" i="0" dirty="0" smtClean="0">
                 <a:ea typeface="微软雅黑" panose="020B0503020204020204" pitchFamily="34" charset="-122"/>
               </a:rPr>
-              <a:t>图，也可以是业务架构图或技术架构图</a:t>
-            </a:r>
-            <a:endParaRPr lang="zh-CN" altLang="en-US" sz="1200" b="0" i="0" dirty="0">
+              <a:t>业务快速开展，大量的平台快速接入，让华兴银行迅速攀升为中国对接</a:t>
+            </a:r>
+            <a:r>
+              <a:rPr lang="en-US" altLang="zh-CN" sz="1200" b="0" i="0" dirty="0" smtClean="0">
+                <a:ea typeface="微软雅黑" panose="020B0503020204020204" pitchFamily="34" charset="-122"/>
+              </a:rPr>
+              <a:t>P2P</a:t>
+            </a:r>
+            <a:r>
+              <a:rPr lang="zh-CN" altLang="en-US" sz="1200" b="0" i="0" dirty="0" smtClean="0">
+                <a:ea typeface="微软雅黑" panose="020B0503020204020204" pitchFamily="34" charset="-122"/>
+              </a:rPr>
+              <a:t>存管平台数量的第一位。</a:t>
+            </a:r>
+            <a:r>
+              <a:rPr lang="en-US" altLang="zh-CN" sz="1200" b="0" i="0" dirty="0" smtClean="0">
+                <a:ea typeface="微软雅黑" panose="020B0503020204020204" pitchFamily="34" charset="-122"/>
+              </a:rPr>
+              <a:t>P2P</a:t>
+            </a:r>
+            <a:r>
+              <a:rPr lang="zh-CN" altLang="en-US" sz="1200" b="0" i="0" dirty="0" smtClean="0">
+                <a:ea typeface="微软雅黑" panose="020B0503020204020204" pitchFamily="34" charset="-122"/>
+              </a:rPr>
+              <a:t>业务的成功开展，让行里对网关系统充满了信心，后续有了更多对接第三方平台的业务由我们系统负责。</a:t>
+            </a:r>
+            <a:endParaRPr lang="en-US" altLang="zh-CN" sz="1200" b="0" i="0" dirty="0">
               <a:ea typeface="微软雅黑" panose="020B0503020204020204" pitchFamily="34" charset="-122"/>
             </a:endParaRPr>
+          </a:p>
+        </p:txBody>
+      </p:sp>
+      <p:sp>
+        <p:nvSpPr>
+          <p:cNvPr id="3" name="矩形 2"/>
+          <p:cNvSpPr/>
+          <p:nvPr/>
+        </p:nvSpPr>
+        <p:spPr>
+          <a:xfrm>
+            <a:off x="7902049" y="1337481"/>
+            <a:ext cx="1937982" cy="900752"/>
+          </a:xfrm>
+          <a:prstGeom prst="rect">
+            <a:avLst/>
+          </a:prstGeom>
+        </p:spPr>
+        <p:style>
+          <a:lnRef idx="2">
+            <a:schemeClr val="accent2">
+              <a:shade val="50000"/>
+            </a:schemeClr>
+          </a:lnRef>
+          <a:fillRef idx="1">
+            <a:schemeClr val="accent2"/>
+          </a:fillRef>
+          <a:effectRef idx="0">
+            <a:schemeClr val="accent2"/>
+          </a:effectRef>
+          <a:fontRef idx="minor">
+            <a:schemeClr val="lt1"/>
+          </a:fontRef>
+        </p:style>
+        <p:txBody>
+          <a:bodyPr rtlCol="0" anchor="ctr"/>
+          <a:lstStyle/>
+          <a:p>
+            <a:pPr algn="ctr"/>
+            <a:r>
+              <a:rPr lang="zh-CN" altLang="en-US" dirty="0" smtClean="0"/>
+              <a:t>第三方平台</a:t>
+            </a:r>
+            <a:endParaRPr lang="zh-CN" altLang="en-US" dirty="0"/>
+          </a:p>
+        </p:txBody>
+      </p:sp>
+      <p:sp>
+        <p:nvSpPr>
+          <p:cNvPr id="14" name="矩形 13"/>
+          <p:cNvSpPr/>
+          <p:nvPr/>
+        </p:nvSpPr>
+        <p:spPr>
+          <a:xfrm>
+            <a:off x="7902049" y="3229909"/>
+            <a:ext cx="1937982" cy="900752"/>
+          </a:xfrm>
+          <a:prstGeom prst="rect">
+            <a:avLst/>
+          </a:prstGeom>
+        </p:spPr>
+        <p:style>
+          <a:lnRef idx="2">
+            <a:schemeClr val="accent2">
+              <a:shade val="50000"/>
+            </a:schemeClr>
+          </a:lnRef>
+          <a:fillRef idx="1">
+            <a:schemeClr val="accent2"/>
+          </a:fillRef>
+          <a:effectRef idx="0">
+            <a:schemeClr val="accent2"/>
+          </a:effectRef>
+          <a:fontRef idx="minor">
+            <a:schemeClr val="lt1"/>
+          </a:fontRef>
+        </p:style>
+        <p:txBody>
+          <a:bodyPr rtlCol="0" anchor="ctr"/>
+          <a:lstStyle/>
+          <a:p>
+            <a:pPr algn="ctr"/>
+            <a:r>
+              <a:rPr lang="zh-CN" altLang="en-US" dirty="0" smtClean="0"/>
+              <a:t>外联网关系统</a:t>
+            </a:r>
+            <a:endParaRPr lang="zh-CN" altLang="en-US" dirty="0"/>
+          </a:p>
+        </p:txBody>
+      </p:sp>
+      <p:sp>
+        <p:nvSpPr>
+          <p:cNvPr id="16" name="矩形 15"/>
+          <p:cNvSpPr/>
+          <p:nvPr/>
+        </p:nvSpPr>
+        <p:spPr>
+          <a:xfrm>
+            <a:off x="7902049" y="5122337"/>
+            <a:ext cx="1937982" cy="900752"/>
+          </a:xfrm>
+          <a:prstGeom prst="rect">
+            <a:avLst/>
+          </a:prstGeom>
+        </p:spPr>
+        <p:style>
+          <a:lnRef idx="2">
+            <a:schemeClr val="accent2">
+              <a:shade val="50000"/>
+            </a:schemeClr>
+          </a:lnRef>
+          <a:fillRef idx="1">
+            <a:schemeClr val="accent2"/>
+          </a:fillRef>
+          <a:effectRef idx="0">
+            <a:schemeClr val="accent2"/>
+          </a:effectRef>
+          <a:fontRef idx="minor">
+            <a:schemeClr val="lt1"/>
+          </a:fontRef>
+        </p:style>
+        <p:txBody>
+          <a:bodyPr rtlCol="0" anchor="ctr"/>
+          <a:lstStyle/>
+          <a:p>
+            <a:pPr algn="ctr"/>
+            <a:r>
+              <a:rPr lang="zh-CN" altLang="en-US" dirty="0" smtClean="0"/>
+              <a:t>行内后端系统</a:t>
+            </a:r>
+            <a:endParaRPr lang="zh-CN" altLang="en-US" dirty="0"/>
+          </a:p>
+        </p:txBody>
+      </p:sp>
+      <p:sp>
+        <p:nvSpPr>
+          <p:cNvPr id="18" name="下箭头 17"/>
+          <p:cNvSpPr/>
+          <p:nvPr/>
+        </p:nvSpPr>
+        <p:spPr>
+          <a:xfrm>
+            <a:off x="8175009" y="2238233"/>
+            <a:ext cx="409433" cy="991676"/>
+          </a:xfrm>
+          <a:prstGeom prst="downArrow">
+            <a:avLst/>
+          </a:prstGeom>
+        </p:spPr>
+        <p:style>
+          <a:lnRef idx="2">
+            <a:schemeClr val="accent1">
+              <a:shade val="50000"/>
+            </a:schemeClr>
+          </a:lnRef>
+          <a:fillRef idx="1">
+            <a:schemeClr val="accent1"/>
+          </a:fillRef>
+          <a:effectRef idx="0">
+            <a:schemeClr val="accent1"/>
+          </a:effectRef>
+          <a:fontRef idx="minor">
+            <a:schemeClr val="lt1"/>
+          </a:fontRef>
+        </p:style>
+        <p:txBody>
+          <a:bodyPr rtlCol="0" anchor="ctr"/>
+          <a:lstStyle/>
+          <a:p>
+            <a:pPr algn="ctr"/>
+            <a:endParaRPr lang="zh-CN" altLang="en-US"/>
+          </a:p>
+        </p:txBody>
+      </p:sp>
+      <p:sp>
+        <p:nvSpPr>
+          <p:cNvPr id="19" name="下箭头 18"/>
+          <p:cNvSpPr/>
+          <p:nvPr/>
+        </p:nvSpPr>
+        <p:spPr>
+          <a:xfrm>
+            <a:off x="8175008" y="4150012"/>
+            <a:ext cx="409433" cy="991676"/>
+          </a:xfrm>
+          <a:prstGeom prst="downArrow">
+            <a:avLst/>
+          </a:prstGeom>
+        </p:spPr>
+        <p:style>
+          <a:lnRef idx="2">
+            <a:schemeClr val="accent1">
+              <a:shade val="50000"/>
+            </a:schemeClr>
+          </a:lnRef>
+          <a:fillRef idx="1">
+            <a:schemeClr val="accent1"/>
+          </a:fillRef>
+          <a:effectRef idx="0">
+            <a:schemeClr val="accent1"/>
+          </a:effectRef>
+          <a:fontRef idx="minor">
+            <a:schemeClr val="lt1"/>
+          </a:fontRef>
+        </p:style>
+        <p:txBody>
+          <a:bodyPr rtlCol="0" anchor="ctr"/>
+          <a:lstStyle/>
+          <a:p>
+            <a:pPr algn="ctr"/>
+            <a:endParaRPr lang="zh-CN" altLang="en-US"/>
+          </a:p>
+        </p:txBody>
+      </p:sp>
+      <p:sp>
+        <p:nvSpPr>
+          <p:cNvPr id="20" name="下箭头 19"/>
+          <p:cNvSpPr/>
+          <p:nvPr/>
+        </p:nvSpPr>
+        <p:spPr>
+          <a:xfrm rot="10800000">
+            <a:off x="9159921" y="4140337"/>
+            <a:ext cx="409433" cy="991676"/>
+          </a:xfrm>
+          <a:prstGeom prst="downArrow">
+            <a:avLst/>
+          </a:prstGeom>
+        </p:spPr>
+        <p:style>
+          <a:lnRef idx="2">
+            <a:schemeClr val="accent1">
+              <a:shade val="50000"/>
+            </a:schemeClr>
+          </a:lnRef>
+          <a:fillRef idx="1">
+            <a:schemeClr val="accent1"/>
+          </a:fillRef>
+          <a:effectRef idx="0">
+            <a:schemeClr val="accent1"/>
+          </a:effectRef>
+          <a:fontRef idx="minor">
+            <a:schemeClr val="lt1"/>
+          </a:fontRef>
+        </p:style>
+        <p:txBody>
+          <a:bodyPr rtlCol="0" anchor="ctr"/>
+          <a:lstStyle/>
+          <a:p>
+            <a:pPr algn="ctr"/>
+            <a:endParaRPr lang="zh-CN" altLang="en-US"/>
+          </a:p>
+        </p:txBody>
+      </p:sp>
+      <p:sp>
+        <p:nvSpPr>
+          <p:cNvPr id="21" name="下箭头 20"/>
+          <p:cNvSpPr/>
+          <p:nvPr/>
+        </p:nvSpPr>
+        <p:spPr>
+          <a:xfrm rot="10800000">
+            <a:off x="9159921" y="2257586"/>
+            <a:ext cx="409433" cy="991676"/>
+          </a:xfrm>
+          <a:prstGeom prst="downArrow">
+            <a:avLst/>
+          </a:prstGeom>
+        </p:spPr>
+        <p:style>
+          <a:lnRef idx="2">
+            <a:schemeClr val="accent1">
+              <a:shade val="50000"/>
+            </a:schemeClr>
+          </a:lnRef>
+          <a:fillRef idx="1">
+            <a:schemeClr val="accent1"/>
+          </a:fillRef>
+          <a:effectRef idx="0">
+            <a:schemeClr val="accent1"/>
+          </a:effectRef>
+          <a:fontRef idx="minor">
+            <a:schemeClr val="lt1"/>
+          </a:fontRef>
+        </p:style>
+        <p:txBody>
+          <a:bodyPr rtlCol="0" anchor="ctr"/>
+          <a:lstStyle/>
+          <a:p>
+            <a:pPr algn="ctr"/>
+            <a:endParaRPr lang="zh-CN" altLang="en-US"/>
           </a:p>
         </p:txBody>
       </p:sp>
@@ -5760,32 +6058,13 @@
           <a:bodyPr/>
           <a:lstStyle/>
           <a:p>
-            <a:r>
-              <a:rPr lang="zh-CN" altLang="en-US" dirty="0" smtClean="0"/>
-              <a:t>能够体现创新点</a:t>
-            </a:r>
-            <a:r>
-              <a:rPr lang="en-US" altLang="zh-CN" dirty="0" smtClean="0"/>
-              <a:t>/</a:t>
-            </a:r>
-            <a:r>
-              <a:rPr lang="zh-CN" altLang="en-US" dirty="0" smtClean="0"/>
-              <a:t>核心业务功能的典型页面</a:t>
-            </a:r>
-            <a:endParaRPr lang="en-US" altLang="zh-CN" dirty="0" smtClean="0"/>
-          </a:p>
-          <a:p>
-            <a:r>
-              <a:rPr lang="zh-CN" altLang="en-US" dirty="0" smtClean="0"/>
-              <a:t>可多张</a:t>
-            </a:r>
             <a:endParaRPr lang="zh-CN" altLang="en-US" dirty="0"/>
           </a:p>
         </p:txBody>
       </p:sp>
       <p:pic>
         <p:nvPicPr>
-          <p:cNvPr id="4" name="图片 3"/>
+          <p:cNvPr id="5" name="图片 4"/>
           <p:cNvPicPr>
             <a:picLocks noChangeAspect="1"/>
           </p:cNvPicPr>
@@ -5799,22 +6078,12 @@
         </p:blipFill>
         <p:spPr>
           <a:xfrm>
-            <a:off x="5681189" y="1929684"/>
-            <a:ext cx="6199967" cy="4605900"/>
+            <a:off x="0" y="849915"/>
+            <a:ext cx="11705896" cy="5913411"/>
           </a:xfrm>
           <a:prstGeom prst="rect">
             <a:avLst/>
           </a:prstGeom>
-          <a:ln>
-            <a:noFill/>
-          </a:ln>
-          <a:effectLst>
-            <a:outerShdw blurRad="292100" dist="139700" dir="2700000" algn="tl" rotWithShape="0">
-              <a:srgbClr val="333333">
-                <a:alpha val="65000"/>
-              </a:srgbClr>
-            </a:outerShdw>
-          </a:effectLst>
         </p:spPr>
       </p:pic>
     </p:spTree>
@@ -5864,58 +6133,45 @@
           <a:p>
             <a:r>
               <a:rPr lang="zh-CN" altLang="en-US" dirty="0" smtClean="0"/>
-              <a:t>业务</a:t>
+              <a:t>项目案例界面展现</a:t>
             </a:r>
             <a:r>
               <a:rPr lang="zh-CN" altLang="en-US" dirty="0"/>
-              <a:t>架构</a:t>
-            </a:r>
-            <a:r>
-              <a:rPr lang="zh-CN" altLang="en-US" dirty="0" smtClean="0"/>
-              <a:t>介绍</a:t>
-            </a:r>
-            <a:r>
-              <a:rPr lang="zh-CN" altLang="en-US" dirty="0"/>
-              <a:t>（必须） </a:t>
-            </a:r>
-            <a:r>
-              <a:rPr lang="zh-CN" altLang="en-US" dirty="0" smtClean="0"/>
-              <a:t>（</a:t>
-            </a:r>
-            <a:r>
-              <a:rPr lang="zh-CN" altLang="en-US" dirty="0"/>
-              <a:t>可多张图体现）</a:t>
-            </a:r>
-          </a:p>
-        </p:txBody>
-      </p:sp>
-      <p:sp>
-        <p:nvSpPr>
-          <p:cNvPr id="3" name="内容占位符 2"/>
-          <p:cNvSpPr>
-            <a:spLocks noGrp="1"/>
-          </p:cNvSpPr>
+              <a:t>（必须）</a:t>
+            </a:r>
+          </a:p>
+        </p:txBody>
+      </p:sp>
+      <p:pic>
+        <p:nvPicPr>
+          <p:cNvPr id="4" name="内容占位符 3"/>
+          <p:cNvPicPr>
+            <a:picLocks noGrp="1" noChangeAspect="1"/>
+          </p:cNvPicPr>
           <p:nvPr>
             <p:ph idx="1"/>
           </p:nvPr>
-        </p:nvSpPr>
-        <p:spPr/>
-        <p:txBody>
-          <a:bodyPr/>
-          <a:lstStyle/>
-          <a:p>
-            <a:r>
-              <a:rPr lang="zh-CN" altLang="en-US" dirty="0" smtClean="0"/>
-              <a:t>业务架构图，讲清楚这个案例所实现的业务是什么？有哪些关联方，有些什么样的场景（粗粒度），有些什么样的业务模块</a:t>
-            </a:r>
-            <a:endParaRPr lang="zh-CN" altLang="en-US" dirty="0"/>
-          </a:p>
-        </p:txBody>
-      </p:sp>
+        </p:nvPicPr>
+        <p:blipFill>
+          <a:blip r:embed="rId2"/>
+          <a:stretch>
+            <a:fillRect/>
+          </a:stretch>
+        </p:blipFill>
+        <p:spPr>
+          <a:xfrm>
+            <a:off x="28966" y="818866"/>
+            <a:ext cx="12163034" cy="6039133"/>
+          </a:xfrm>
+          <a:prstGeom prst="rect">
+            <a:avLst/>
+          </a:prstGeom>
+        </p:spPr>
+      </p:pic>
     </p:spTree>
     <p:extLst>
       <p:ext uri="{BB962C8B-B14F-4D97-AF65-F5344CB8AC3E}">
-        <p14:creationId xmlns:p14="http://schemas.microsoft.com/office/powerpoint/2010/main" val="359673920"/>
+        <p14:creationId xmlns:p14="http://schemas.microsoft.com/office/powerpoint/2010/main" val="3862133466"/>
       </p:ext>
     </p:extLst>
   </p:cSld>
@@ -5963,38 +6219,115 @@
             </a:r>
             <a:r>
               <a:rPr lang="zh-CN" altLang="en-US" dirty="0"/>
-              <a:t>功能介绍（必须）</a:t>
-            </a:r>
-          </a:p>
-        </p:txBody>
-      </p:sp>
-      <p:sp>
-        <p:nvSpPr>
-          <p:cNvPr id="3" name="内容占位符 2"/>
-          <p:cNvSpPr>
-            <a:spLocks noGrp="1"/>
-          </p:cNvSpPr>
-          <p:nvPr>
-            <p:ph idx="1"/>
-          </p:nvPr>
-        </p:nvSpPr>
-        <p:spPr/>
-        <p:txBody>
-          <a:bodyPr/>
-          <a:lstStyle/>
-          <a:p>
+              <a:t>架构</a:t>
+            </a:r>
             <a:r>
               <a:rPr lang="zh-CN" altLang="en-US" dirty="0" smtClean="0"/>
-              <a:t>主要功能清单</a:t>
+              <a:t>介绍</a:t>
+            </a:r>
+            <a:r>
+              <a:rPr lang="zh-CN" altLang="en-US" dirty="0"/>
+              <a:t>（必须） </a:t>
+            </a:r>
+            <a:r>
+              <a:rPr lang="zh-CN" altLang="en-US" dirty="0" smtClean="0"/>
+              <a:t>（</a:t>
+            </a:r>
+            <a:r>
+              <a:rPr lang="zh-CN" altLang="en-US" dirty="0"/>
+              <a:t>可多张图体现）</a:t>
+            </a:r>
+          </a:p>
+        </p:txBody>
+      </p:sp>
+      <p:sp>
+        <p:nvSpPr>
+          <p:cNvPr id="4" name="圆角矩形 3"/>
+          <p:cNvSpPr/>
+          <p:nvPr/>
+        </p:nvSpPr>
+        <p:spPr>
+          <a:xfrm>
+            <a:off x="142493" y="846163"/>
+            <a:ext cx="1331466" cy="614150"/>
+          </a:xfrm>
+          <a:prstGeom prst="roundRect">
+            <a:avLst/>
+          </a:prstGeom>
+        </p:spPr>
+        <p:style>
+          <a:lnRef idx="2">
+            <a:schemeClr val="accent2">
+              <a:shade val="50000"/>
+            </a:schemeClr>
+          </a:lnRef>
+          <a:fillRef idx="1">
+            <a:schemeClr val="accent2"/>
+          </a:fillRef>
+          <a:effectRef idx="0">
+            <a:schemeClr val="accent2"/>
+          </a:effectRef>
+          <a:fontRef idx="minor">
+            <a:schemeClr val="lt1"/>
+          </a:fontRef>
+        </p:style>
+        <p:txBody>
+          <a:bodyPr rtlCol="0" anchor="ctr"/>
+          <a:lstStyle/>
+          <a:p>
+            <a:pPr algn="ctr"/>
+            <a:r>
+              <a:rPr lang="zh-CN" altLang="en-US" dirty="0" smtClean="0"/>
+              <a:t>第三方平台</a:t>
             </a:r>
             <a:endParaRPr lang="zh-CN" altLang="en-US" dirty="0"/>
+          </a:p>
+        </p:txBody>
+      </p:sp>
+      <p:sp>
+        <p:nvSpPr>
+          <p:cNvPr id="6" name="圆角矩形 5"/>
+          <p:cNvSpPr/>
+          <p:nvPr/>
+        </p:nvSpPr>
+        <p:spPr>
+          <a:xfrm>
+            <a:off x="2715904" y="846163"/>
+            <a:ext cx="1405720" cy="723330"/>
+          </a:xfrm>
+          <a:prstGeom prst="roundRect">
+            <a:avLst/>
+          </a:prstGeom>
+        </p:spPr>
+        <p:style>
+          <a:lnRef idx="2">
+            <a:schemeClr val="accent1">
+              <a:shade val="50000"/>
+            </a:schemeClr>
+          </a:lnRef>
+          <a:fillRef idx="1">
+            <a:schemeClr val="accent1"/>
+          </a:fillRef>
+          <a:effectRef idx="0">
+            <a:schemeClr val="accent1"/>
+          </a:effectRef>
+          <a:fontRef idx="minor">
+            <a:schemeClr val="lt1"/>
+          </a:fontRef>
+        </p:style>
+        <p:txBody>
+          <a:bodyPr rtlCol="0" anchor="ctr"/>
+          <a:lstStyle/>
+          <a:p>
+            <a:pPr algn="ctr"/>
+            <a:endParaRPr lang="zh-CN" altLang="en-US"/>
           </a:p>
         </p:txBody>
       </p:sp>
     </p:spTree>
     <p:extLst>
       <p:ext uri="{BB962C8B-B14F-4D97-AF65-F5344CB8AC3E}">
-        <p14:creationId xmlns:p14="http://schemas.microsoft.com/office/powerpoint/2010/main" val="2539261890"/>
+        <p14:creationId xmlns:p14="http://schemas.microsoft.com/office/powerpoint/2010/main" val="359673920"/>
       </p:ext>
     </p:extLst>
   </p:cSld>
@@ -6038,60 +6371,33 @@
           <a:p>
             <a:r>
               <a:rPr lang="zh-CN" altLang="en-US" dirty="0" smtClean="0"/>
-              <a:t>项目系统架构</a:t>
+              <a:t>业务</a:t>
             </a:r>
             <a:r>
               <a:rPr lang="zh-CN" altLang="en-US" dirty="0"/>
-              <a:t>说明（必须） （</a:t>
-            </a:r>
+              <a:t>功能介绍（必须）</a:t>
+            </a:r>
+          </a:p>
+        </p:txBody>
+      </p:sp>
+      <p:sp>
+        <p:nvSpPr>
+          <p:cNvPr id="3" name="内容占位符 2"/>
+          <p:cNvSpPr>
+            <a:spLocks noGrp="1"/>
+          </p:cNvSpPr>
+          <p:nvPr>
+            <p:ph idx="1"/>
+          </p:nvPr>
+        </p:nvSpPr>
+        <p:spPr/>
+        <p:txBody>
+          <a:bodyPr/>
+          <a:lstStyle/>
+          <a:p>
             <a:r>
               <a:rPr lang="zh-CN" altLang="en-US" dirty="0" smtClean="0"/>
-              <a:t>可多张图体现）</a:t>
-            </a:r>
-            <a:endParaRPr lang="zh-CN" altLang="en-US" dirty="0"/>
-          </a:p>
-        </p:txBody>
-      </p:sp>
-      <p:sp>
-        <p:nvSpPr>
-          <p:cNvPr id="3" name="内容占位符 2"/>
-          <p:cNvSpPr>
-            <a:spLocks noGrp="1"/>
-          </p:cNvSpPr>
-          <p:nvPr>
-            <p:ph idx="1"/>
-          </p:nvPr>
-        </p:nvSpPr>
-        <p:spPr/>
-        <p:txBody>
-          <a:bodyPr/>
-          <a:lstStyle/>
-          <a:p>
-            <a:r>
-              <a:rPr lang="zh-CN" altLang="en-US" dirty="0" smtClean="0"/>
-              <a:t>明确本系统在行内整体</a:t>
-            </a:r>
-            <a:r>
-              <a:rPr lang="en-US" altLang="zh-CN" dirty="0" smtClean="0"/>
-              <a:t>IT</a:t>
-            </a:r>
-            <a:r>
-              <a:rPr lang="zh-CN" altLang="en-US" dirty="0" smtClean="0"/>
-              <a:t>架构中的位置；</a:t>
-            </a:r>
-            <a:endParaRPr lang="en-US" altLang="zh-CN" dirty="0" smtClean="0"/>
-          </a:p>
-          <a:p>
-            <a:r>
-              <a:rPr lang="zh-CN" altLang="en-US" dirty="0" smtClean="0"/>
-              <a:t>明确本系统内有几个应用系统，之间的交互关系等</a:t>
-            </a:r>
-            <a:endParaRPr lang="en-US" altLang="zh-CN" dirty="0" smtClean="0"/>
-          </a:p>
-          <a:p>
-            <a:r>
-              <a:rPr lang="zh-CN" altLang="en-US" dirty="0" smtClean="0"/>
-              <a:t>其他认为必要的内容</a:t>
+              <a:t>主要功能清单</a:t>
             </a:r>
             <a:endParaRPr lang="zh-CN" altLang="en-US" dirty="0"/>
           </a:p>
@@ -6100,7 +6406,7 @@
     </p:spTree>
     <p:extLst>
       <p:ext uri="{BB962C8B-B14F-4D97-AF65-F5344CB8AC3E}">
-        <p14:creationId xmlns:p14="http://schemas.microsoft.com/office/powerpoint/2010/main" val="664370365"/>
+        <p14:creationId xmlns:p14="http://schemas.microsoft.com/office/powerpoint/2010/main" val="2539261890"/>
       </p:ext>
     </p:extLst>
   </p:cSld>
@@ -6144,7 +6450,11 @@
           <a:p>
             <a:r>
               <a:rPr lang="zh-CN" altLang="en-US" dirty="0" smtClean="0"/>
-              <a:t>重点业务介绍（可选）（可多项）</a:t>
+              <a:t>项目系统架构</a:t>
+            </a:r>
+            <a:r>
+              <a:rPr lang="zh-CN" altLang="en-US" dirty="0" smtClean="0"/>
+              <a:t>说明</a:t>
             </a:r>
             <a:endParaRPr lang="zh-CN" altLang="en-US" dirty="0"/>
           </a:p>
@@ -6160,84 +6470,87 @@
             <p:ph idx="1"/>
           </p:nvPr>
         </p:nvSpPr>
-        <p:spPr>
-          <a:xfrm>
-            <a:off x="0" y="1128199"/>
-            <a:ext cx="12192000" cy="5301630"/>
-          </a:xfrm>
-        </p:spPr>
-        <p:txBody>
-          <a:bodyPr/>
-          <a:lstStyle/>
-          <a:p>
-            <a:pPr>
-              <a:lnSpc>
-                <a:spcPct val="150000"/>
-              </a:lnSpc>
-            </a:pPr>
+        <p:spPr/>
+        <p:txBody>
+          <a:bodyPr>
+            <a:normAutofit fontScale="92500"/>
+          </a:bodyPr>
+          <a:lstStyle/>
+          <a:p>
             <a:r>
               <a:rPr lang="zh-CN" altLang="en-US" dirty="0" smtClean="0"/>
-              <a:t>可围绕案例中的关键业务点进行介绍</a:t>
+              <a:t>外联网关系统处于行内</a:t>
+            </a:r>
+            <a:r>
+              <a:rPr lang="en-US" altLang="zh-CN" dirty="0" smtClean="0"/>
+              <a:t>IT</a:t>
+            </a:r>
+            <a:r>
+              <a:rPr lang="zh-CN" altLang="en-US" dirty="0" smtClean="0"/>
+              <a:t>架构中的最外层，所有与行外系统交互的功能，都会经过外联网关系统。</a:t>
             </a:r>
             <a:endParaRPr lang="en-US" altLang="zh-CN" dirty="0" smtClean="0"/>
           </a:p>
           <a:p>
-            <a:pPr lvl="1">
-              <a:lnSpc>
-                <a:spcPct val="150000"/>
-              </a:lnSpc>
-            </a:pPr>
             <a:r>
               <a:rPr lang="zh-CN" altLang="en-US" dirty="0" smtClean="0"/>
-              <a:t>业务模式介绍</a:t>
+              <a:t>外联网关系统包含了外联网关，内管系统，定时任务系统，分工如下</a:t>
+            </a:r>
+            <a:r>
+              <a:rPr lang="en-US" altLang="zh-CN" dirty="0" smtClean="0"/>
+              <a:t>:</a:t>
+            </a:r>
+          </a:p>
+          <a:p>
+            <a:r>
+              <a:rPr lang="zh-CN" altLang="en-US" dirty="0"/>
+              <a:t>外</a:t>
+            </a:r>
+            <a:r>
+              <a:rPr lang="zh-CN" altLang="en-US" dirty="0" smtClean="0"/>
+              <a:t>联网关系统</a:t>
+            </a:r>
+            <a:r>
+              <a:rPr lang="en-US" altLang="zh-CN" dirty="0" smtClean="0"/>
+              <a:t>: </a:t>
+            </a:r>
+            <a:r>
+              <a:rPr lang="zh-CN" altLang="en-US" dirty="0" smtClean="0"/>
+              <a:t>与行外系统通讯，并对通讯的报文做验签，解密处理。</a:t>
             </a:r>
             <a:endParaRPr lang="en-US" altLang="zh-CN" dirty="0" smtClean="0"/>
           </a:p>
           <a:p>
-            <a:pPr lvl="1">
-              <a:lnSpc>
-                <a:spcPct val="150000"/>
-              </a:lnSpc>
-            </a:pPr>
+            <a:r>
+              <a:rPr lang="zh-CN" altLang="en-US" dirty="0"/>
+              <a:t>内</a:t>
+            </a:r>
             <a:r>
               <a:rPr lang="zh-CN" altLang="en-US" dirty="0" smtClean="0"/>
-              <a:t>业务流程详解</a:t>
+              <a:t>管系统</a:t>
+            </a:r>
+            <a:r>
+              <a:rPr lang="en-US" altLang="zh-CN" dirty="0" smtClean="0"/>
+              <a:t>:</a:t>
+            </a:r>
+            <a:r>
+              <a:rPr lang="zh-CN" altLang="en-US" dirty="0" smtClean="0"/>
+              <a:t>管理接入平台的接口权限，发布公告，以及统计交易数据，修改外联网关系统接入平台的平台信息，如回调地址，商户名称等。</a:t>
             </a:r>
             <a:endParaRPr lang="en-US" altLang="zh-CN" dirty="0" smtClean="0"/>
           </a:p>
           <a:p>
-            <a:pPr lvl="1">
-              <a:lnSpc>
-                <a:spcPct val="150000"/>
-              </a:lnSpc>
-            </a:pPr>
             <a:r>
               <a:rPr lang="zh-CN" altLang="en-US" dirty="0" smtClean="0"/>
-              <a:t>项目实施难点与解决方案</a:t>
-            </a:r>
-            <a:endParaRPr lang="en-US" altLang="zh-CN" dirty="0" smtClean="0"/>
-          </a:p>
-          <a:p>
-            <a:pPr lvl="1">
-              <a:lnSpc>
-                <a:spcPct val="150000"/>
-              </a:lnSpc>
-            </a:pPr>
+              <a:t>定时任务系统</a:t>
+            </a:r>
+            <a:r>
+              <a:rPr lang="en-US" altLang="zh-CN" dirty="0" smtClean="0"/>
+              <a:t>:</a:t>
+            </a:r>
             <a:r>
               <a:rPr lang="zh-CN" altLang="en-US" dirty="0" smtClean="0"/>
-              <a:t>业务盈利模式与分润模式</a:t>
-            </a:r>
-            <a:endParaRPr lang="en-US" altLang="zh-CN" dirty="0" smtClean="0"/>
-          </a:p>
-          <a:p>
-            <a:pPr lvl="1">
-              <a:lnSpc>
-                <a:spcPct val="150000"/>
-              </a:lnSpc>
-            </a:pPr>
-            <a:r>
-              <a:rPr lang="zh-CN" altLang="en-US" dirty="0" smtClean="0"/>
-              <a:t>后续发展规划</a:t>
+              <a:t>定时把后端或行外系统提供的数据更新到外联网关系统的数据库中，以及刷新外联网关系统中的缓存。</a:t>
             </a:r>
             <a:endParaRPr lang="en-US" altLang="zh-CN" dirty="0" smtClean="0"/>
           </a:p>
@@ -6246,7 +6559,7 @@
     </p:spTree>
     <p:extLst>
       <p:ext uri="{BB962C8B-B14F-4D97-AF65-F5344CB8AC3E}">
-        <p14:creationId xmlns:p14="http://schemas.microsoft.com/office/powerpoint/2010/main" val="3726051503"/>
+        <p14:creationId xmlns:p14="http://schemas.microsoft.com/office/powerpoint/2010/main" val="664370365"/>
       </p:ext>
     </p:extLst>
   </p:cSld>
@@ -6290,7 +6603,7 @@
           <a:p>
             <a:r>
               <a:rPr lang="zh-CN" altLang="en-US" dirty="0" smtClean="0"/>
-              <a:t>亮点介绍（可选）（可多项）</a:t>
+              <a:t>重点业务介绍（可选）（可多项）</a:t>
             </a:r>
             <a:endParaRPr lang="zh-CN" altLang="en-US" dirty="0"/>
           </a:p>
@@ -6308,101 +6621,97 @@
         </p:nvSpPr>
         <p:spPr>
           <a:xfrm>
-            <a:off x="431800" y="983056"/>
-            <a:ext cx="11469914" cy="5504830"/>
-          </a:xfrm>
-        </p:spPr>
-        <p:txBody>
-          <a:bodyPr>
-            <a:normAutofit/>
-          </a:bodyPr>
+            <a:off x="0" y="1128199"/>
+            <a:ext cx="12192000" cy="5301630"/>
+          </a:xfrm>
+        </p:spPr>
+        <p:txBody>
+          <a:bodyPr/>
           <a:lstStyle/>
           <a:p>
             <a:pPr>
               <a:lnSpc>
-                <a:spcPct val="120000"/>
+                <a:spcPct val="150000"/>
               </a:lnSpc>
             </a:pPr>
             <a:r>
               <a:rPr lang="zh-CN" altLang="en-US" dirty="0" smtClean="0"/>
-              <a:t>可以是业务亮点、技术亮点</a:t>
+              <a:t>可围绕案例中的关键业务点进行介绍</a:t>
             </a:r>
             <a:endParaRPr lang="en-US" altLang="zh-CN" dirty="0" smtClean="0"/>
           </a:p>
           <a:p>
             <a:pPr lvl="1">
               <a:lnSpc>
-                <a:spcPct val="120000"/>
+                <a:spcPct val="150000"/>
               </a:lnSpc>
             </a:pPr>
             <a:r>
               <a:rPr lang="zh-CN" altLang="en-US" dirty="0" smtClean="0"/>
-              <a:t>着重说明创新点是什么？是模式创新、技术创新还是体验创新</a:t>
-            </a:r>
-            <a:r>
-              <a:rPr lang="en-US" altLang="zh-CN" dirty="0" smtClean="0"/>
-              <a:t>…</a:t>
-            </a:r>
-            <a:r>
-              <a:rPr lang="zh-CN" altLang="en-US" dirty="0" smtClean="0"/>
-              <a:t>？</a:t>
+              <a:t>业务模式介绍</a:t>
             </a:r>
             <a:endParaRPr lang="en-US" altLang="zh-CN" dirty="0" smtClean="0"/>
           </a:p>
           <a:p>
             <a:pPr lvl="1">
               <a:lnSpc>
-                <a:spcPct val="120000"/>
+                <a:spcPct val="150000"/>
               </a:lnSpc>
             </a:pPr>
             <a:r>
               <a:rPr lang="zh-CN" altLang="en-US" dirty="0" smtClean="0"/>
-              <a:t>应图文并茂</a:t>
+              <a:t>业务流程详解</a:t>
             </a:r>
             <a:endParaRPr lang="en-US" altLang="zh-CN" dirty="0" smtClean="0"/>
           </a:p>
           <a:p>
             <a:pPr lvl="1">
               <a:lnSpc>
-                <a:spcPct val="120000"/>
+                <a:spcPct val="150000"/>
               </a:lnSpc>
             </a:pPr>
             <a:r>
               <a:rPr lang="zh-CN" altLang="en-US" dirty="0" smtClean="0"/>
-              <a:t>描述应用后的效果如何</a:t>
-            </a:r>
-            <a:r>
-              <a:rPr lang="en-US" altLang="zh-CN" dirty="0" smtClean="0"/>
-              <a:t>…</a:t>
-            </a:r>
-          </a:p>
-          <a:p>
-            <a:pPr>
+              <a:t>项目实施难点与解决方案</a:t>
+            </a:r>
+            <a:endParaRPr lang="en-US" altLang="zh-CN" dirty="0" smtClean="0"/>
+          </a:p>
+          <a:p>
+            <a:pPr lvl="1">
               <a:lnSpc>
-                <a:spcPct val="120000"/>
+                <a:spcPct val="150000"/>
               </a:lnSpc>
             </a:pPr>
-            <a:endParaRPr lang="zh-CN" altLang="en-US" dirty="0"/>
+            <a:r>
+              <a:rPr lang="zh-CN" altLang="en-US" dirty="0" smtClean="0"/>
+              <a:t>业务盈利模式与分润模式</a:t>
+            </a:r>
+            <a:endParaRPr lang="en-US" altLang="zh-CN" dirty="0" smtClean="0"/>
+          </a:p>
+          <a:p>
+            <a:pPr lvl="1">
+              <a:lnSpc>
+                <a:spcPct val="150000"/>
+              </a:lnSpc>
+            </a:pPr>
+            <a:r>
+              <a:rPr lang="zh-CN" altLang="en-US" dirty="0" smtClean="0"/>
+              <a:t>后续发展规划</a:t>
+            </a:r>
+            <a:endParaRPr lang="en-US" altLang="zh-CN" dirty="0" smtClean="0"/>
           </a:p>
         </p:txBody>
       </p:sp>
     </p:spTree>
     <p:extLst>
       <p:ext uri="{BB962C8B-B14F-4D97-AF65-F5344CB8AC3E}">
-        <p14:creationId xmlns:p14="http://schemas.microsoft.com/office/powerpoint/2010/main" val="1383505801"/>
+        <p14:creationId xmlns:p14="http://schemas.microsoft.com/office/powerpoint/2010/main" val="3726051503"/>
       </p:ext>
     </p:extLst>
   </p:cSld>
   <p:clrMapOvr>
     <a:masterClrMapping/>
   </p:clrMapOvr>
-  <p:timing>
-    <p:tnLst>
-      <p:par>
-        <p:cTn id="1" dur="indefinite" restart="never" nodeType="tmRoot"/>
-      </p:par>
-    </p:tnLst>
-  </p:timing>
 </p:sld>
 </file>
 
@@ -6440,7 +6749,7 @@
           <a:p>
             <a:r>
               <a:rPr lang="zh-CN" altLang="en-US" dirty="0" smtClean="0"/>
-              <a:t>项目成效介绍（必须）</a:t>
+              <a:t>亮点介绍（可选）（可多项）</a:t>
             </a:r>
             <a:endParaRPr lang="zh-CN" altLang="en-US" dirty="0"/>
           </a:p>
@@ -6458,89 +6767,101 @@
         </p:nvSpPr>
         <p:spPr>
           <a:xfrm>
-            <a:off x="145143" y="1128199"/>
-            <a:ext cx="11208657" cy="4351338"/>
-          </a:xfrm>
-        </p:spPr>
-        <p:txBody>
-          <a:bodyPr/>
+            <a:off x="431800" y="983056"/>
+            <a:ext cx="11469914" cy="5504830"/>
+          </a:xfrm>
+        </p:spPr>
+        <p:txBody>
+          <a:bodyPr>
+            <a:normAutofit/>
+          </a:bodyPr>
           <a:lstStyle/>
           <a:p>
             <a:pPr>
               <a:lnSpc>
-                <a:spcPct val="150000"/>
+                <a:spcPct val="120000"/>
               </a:lnSpc>
             </a:pPr>
             <a:r>
               <a:rPr lang="zh-CN" altLang="en-US" dirty="0" smtClean="0"/>
-              <a:t>项目开展的营销活动及效果。（</a:t>
-            </a:r>
-            <a:r>
-              <a:rPr lang="zh-CN" altLang="en-US" dirty="0"/>
-              <a:t>用户</a:t>
-            </a:r>
+              <a:t>可以是业务亮点、技术亮点</a:t>
+            </a:r>
+            <a:endParaRPr lang="en-US" altLang="zh-CN" dirty="0" smtClean="0"/>
+          </a:p>
+          <a:p>
+            <a:pPr lvl="1">
+              <a:lnSpc>
+                <a:spcPct val="120000"/>
+              </a:lnSpc>
+            </a:pPr>
             <a:r>
               <a:rPr lang="zh-CN" altLang="en-US" dirty="0" smtClean="0"/>
-              <a:t>数量新增、</a:t>
-            </a:r>
-            <a:r>
-              <a:rPr lang="zh-CN" altLang="en-US" dirty="0"/>
-              <a:t>用户活跃</a:t>
+              <a:t>着重说明创新点是什么？是模式创新、技术创新还是体验创新</a:t>
+            </a:r>
+            <a:r>
+              <a:rPr lang="en-US" altLang="zh-CN" dirty="0" smtClean="0"/>
+              <a:t>…</a:t>
             </a:r>
             <a:r>
               <a:rPr lang="zh-CN" altLang="en-US" dirty="0" smtClean="0"/>
-              <a:t>度提升、</a:t>
-            </a:r>
-            <a:r>
-              <a:rPr lang="zh-CN" altLang="en-US" dirty="0"/>
-              <a:t>产品销售</a:t>
-            </a:r>
+              <a:t>？</a:t>
+            </a:r>
+            <a:endParaRPr lang="en-US" altLang="zh-CN" dirty="0" smtClean="0"/>
+          </a:p>
+          <a:p>
+            <a:pPr lvl="1">
+              <a:lnSpc>
+                <a:spcPct val="120000"/>
+              </a:lnSpc>
+            </a:pPr>
             <a:r>
               <a:rPr lang="zh-CN" altLang="en-US" dirty="0" smtClean="0"/>
-              <a:t>收入等效果）</a:t>
+              <a:t>应图文并茂</a:t>
             </a:r>
             <a:endParaRPr lang="en-US" altLang="zh-CN" dirty="0" smtClean="0"/>
+          </a:p>
+          <a:p>
+            <a:pPr lvl="1">
+              <a:lnSpc>
+                <a:spcPct val="120000"/>
+              </a:lnSpc>
+            </a:pPr>
+            <a:r>
+              <a:rPr lang="zh-CN" altLang="en-US" dirty="0" smtClean="0"/>
+              <a:t>描述应用后的效果如何</a:t>
+            </a:r>
+            <a:r>
+              <a:rPr lang="en-US" altLang="zh-CN" dirty="0" smtClean="0"/>
+              <a:t>…</a:t>
+            </a:r>
           </a:p>
           <a:p>
             <a:pPr>
               <a:lnSpc>
-                <a:spcPct val="150000"/>
+                <a:spcPct val="120000"/>
               </a:lnSpc>
             </a:pPr>
-            <a:r>
-              <a:rPr lang="zh-CN" altLang="en-US" dirty="0" smtClean="0"/>
-              <a:t>项目相关数据。（用户存量数据、活跃用户数、月均销售数据等</a:t>
-            </a:r>
-            <a:r>
-              <a:rPr lang="zh-CN" altLang="en-US" sz="1800" dirty="0" smtClean="0"/>
-              <a:t>（结合客户考核</a:t>
-            </a:r>
-            <a:r>
-              <a:rPr lang="en-US" altLang="zh-CN" sz="1800" dirty="0" smtClean="0"/>
-              <a:t>KPI</a:t>
-            </a:r>
-            <a:r>
-              <a:rPr lang="zh-CN" altLang="en-US" sz="1800" dirty="0" smtClean="0"/>
-              <a:t>）</a:t>
-            </a:r>
-            <a:r>
-              <a:rPr lang="zh-CN" altLang="en-US" dirty="0"/>
-              <a:t>）</a:t>
-            </a:r>
-            <a:endParaRPr lang="en-US" altLang="zh-CN" dirty="0"/>
+            <a:endParaRPr lang="zh-CN" altLang="en-US" dirty="0"/>
           </a:p>
         </p:txBody>
       </p:sp>
     </p:spTree>
     <p:extLst>
       <p:ext uri="{BB962C8B-B14F-4D97-AF65-F5344CB8AC3E}">
-        <p14:creationId xmlns:p14="http://schemas.microsoft.com/office/powerpoint/2010/main" val="868421718"/>
+        <p14:creationId xmlns:p14="http://schemas.microsoft.com/office/powerpoint/2010/main" val="1383505801"/>
       </p:ext>
     </p:extLst>
   </p:cSld>
   <p:clrMapOvr>
     <a:masterClrMapping/>
   </p:clrMapOvr>
+  <p:timing>
+    <p:tnLst>
+      <p:par>
+        <p:cTn id="1" dur="indefinite" restart="never" nodeType="tmRoot"/>
+      </p:par>
+    </p:tnLst>
+  </p:timing>
 </p:sld>
 </file>
 

--- a/03案例分享/项目案例.pptx
+++ b/03案例分享/项目案例.pptx
@@ -5,10 +5,10 @@
     <p:sldMasterId id="2147483709" r:id="rId1"/>
   </p:sldMasterIdLst>
   <p:notesMasterIdLst>
-    <p:notesMasterId r:id="rId13"/>
+    <p:notesMasterId r:id="rId15"/>
   </p:notesMasterIdLst>
   <p:handoutMasterIdLst>
-    <p:handoutMasterId r:id="rId14"/>
+    <p:handoutMasterId r:id="rId16"/>
   </p:handoutMasterIdLst>
   <p:sldIdLst>
     <p:sldId id="256" r:id="rId2"/>
@@ -22,6 +22,8 @@
     <p:sldId id="320" r:id="rId10"/>
     <p:sldId id="321" r:id="rId11"/>
     <p:sldId id="324" r:id="rId12"/>
+    <p:sldId id="326" r:id="rId13"/>
+    <p:sldId id="327" r:id="rId14"/>
   </p:sldIdLst>
   <p:sldSz cx="12192000" cy="6858000"/>
   <p:notesSz cx="6858000" cy="9144000"/>
@@ -4681,6 +4683,142 @@
     <p:extLst>
       <p:ext uri="{BB962C8B-B14F-4D97-AF65-F5344CB8AC3E}">
         <p14:creationId xmlns:p14="http://schemas.microsoft.com/office/powerpoint/2010/main" val="670652941"/>
+      </p:ext>
+    </p:extLst>
+  </p:cSld>
+  <p:clrMapOvr>
+    <a:masterClrMapping/>
+  </p:clrMapOvr>
+</p:sld>
+</file>
+
+<file path=ppt/slides/slide12.xml><?xml version="1.0" encoding="utf-8"?>
+<p:sld xmlns:a="http://schemas.openxmlformats.org/drawingml/2006/main" xmlns:r="http://schemas.openxmlformats.org/officeDocument/2006/relationships" xmlns:p="http://schemas.openxmlformats.org/presentationml/2006/main">
+  <p:cSld>
+    <p:spTree>
+      <p:nvGrpSpPr>
+        <p:cNvPr id="1" name=""/>
+        <p:cNvGrpSpPr/>
+        <p:nvPr/>
+      </p:nvGrpSpPr>
+      <p:grpSpPr>
+        <a:xfrm>
+          <a:off x="0" y="0"/>
+          <a:ext cx="0" cy="0"/>
+          <a:chOff x="0" y="0"/>
+          <a:chExt cx="0" cy="0"/>
+        </a:xfrm>
+      </p:grpSpPr>
+      <p:sp>
+        <p:nvSpPr>
+          <p:cNvPr id="2" name="标题 1"/>
+          <p:cNvSpPr>
+            <a:spLocks noGrp="1"/>
+          </p:cNvSpPr>
+          <p:nvPr>
+            <p:ph type="title"/>
+          </p:nvPr>
+        </p:nvSpPr>
+        <p:spPr/>
+        <p:txBody>
+          <a:bodyPr/>
+          <a:lstStyle/>
+          <a:p>
+            <a:endParaRPr lang="zh-CN" altLang="en-US"/>
+          </a:p>
+        </p:txBody>
+      </p:sp>
+      <p:sp>
+        <p:nvSpPr>
+          <p:cNvPr id="3" name="内容占位符 2"/>
+          <p:cNvSpPr>
+            <a:spLocks noGrp="1"/>
+          </p:cNvSpPr>
+          <p:nvPr>
+            <p:ph idx="1"/>
+          </p:nvPr>
+        </p:nvSpPr>
+        <p:spPr/>
+        <p:txBody>
+          <a:bodyPr/>
+          <a:lstStyle/>
+          <a:p>
+            <a:endParaRPr lang="zh-CN" altLang="en-US"/>
+          </a:p>
+        </p:txBody>
+      </p:sp>
+    </p:spTree>
+    <p:extLst>
+      <p:ext uri="{BB962C8B-B14F-4D97-AF65-F5344CB8AC3E}">
+        <p14:creationId xmlns:p14="http://schemas.microsoft.com/office/powerpoint/2010/main" val="3299919670"/>
+      </p:ext>
+    </p:extLst>
+  </p:cSld>
+  <p:clrMapOvr>
+    <a:masterClrMapping/>
+  </p:clrMapOvr>
+</p:sld>
+</file>
+
+<file path=ppt/slides/slide13.xml><?xml version="1.0" encoding="utf-8"?>
+<p:sld xmlns:a="http://schemas.openxmlformats.org/drawingml/2006/main" xmlns:r="http://schemas.openxmlformats.org/officeDocument/2006/relationships" xmlns:p="http://schemas.openxmlformats.org/presentationml/2006/main">
+  <p:cSld>
+    <p:spTree>
+      <p:nvGrpSpPr>
+        <p:cNvPr id="1" name=""/>
+        <p:cNvGrpSpPr/>
+        <p:nvPr/>
+      </p:nvGrpSpPr>
+      <p:grpSpPr>
+        <a:xfrm>
+          <a:off x="0" y="0"/>
+          <a:ext cx="0" cy="0"/>
+          <a:chOff x="0" y="0"/>
+          <a:chExt cx="0" cy="0"/>
+        </a:xfrm>
+      </p:grpSpPr>
+      <p:sp>
+        <p:nvSpPr>
+          <p:cNvPr id="2" name="标题 1"/>
+          <p:cNvSpPr>
+            <a:spLocks noGrp="1"/>
+          </p:cNvSpPr>
+          <p:nvPr>
+            <p:ph type="title"/>
+          </p:nvPr>
+        </p:nvSpPr>
+        <p:spPr/>
+        <p:txBody>
+          <a:bodyPr/>
+          <a:lstStyle/>
+          <a:p>
+            <a:endParaRPr lang="zh-CN" altLang="en-US"/>
+          </a:p>
+        </p:txBody>
+      </p:sp>
+      <p:sp>
+        <p:nvSpPr>
+          <p:cNvPr id="3" name="内容占位符 2"/>
+          <p:cNvSpPr>
+            <a:spLocks noGrp="1"/>
+          </p:cNvSpPr>
+          <p:nvPr>
+            <p:ph idx="1"/>
+          </p:nvPr>
+        </p:nvSpPr>
+        <p:spPr/>
+        <p:txBody>
+          <a:bodyPr/>
+          <a:lstStyle/>
+          <a:p>
+            <a:endParaRPr lang="zh-CN" altLang="en-US"/>
+          </a:p>
+        </p:txBody>
+      </p:sp>
+    </p:spTree>
+    <p:extLst>
+      <p:ext uri="{BB962C8B-B14F-4D97-AF65-F5344CB8AC3E}">
+        <p14:creationId xmlns:p14="http://schemas.microsoft.com/office/powerpoint/2010/main" val="760917581"/>
       </p:ext>
     </p:extLst>
   </p:cSld>

--- a/03案例分享/项目案例.pptx
+++ b/03案例分享/项目案例.pptx
@@ -5,10 +5,10 @@
     <p:sldMasterId id="2147483709" r:id="rId1"/>
   </p:sldMasterIdLst>
   <p:notesMasterIdLst>
-    <p:notesMasterId r:id="rId15"/>
+    <p:notesMasterId r:id="rId10"/>
   </p:notesMasterIdLst>
   <p:handoutMasterIdLst>
-    <p:handoutMasterId r:id="rId16"/>
+    <p:handoutMasterId r:id="rId11"/>
   </p:handoutMasterIdLst>
   <p:sldIdLst>
     <p:sldId id="256" r:id="rId2"/>
@@ -18,12 +18,7 @@
     <p:sldId id="316" r:id="rId6"/>
     <p:sldId id="317" r:id="rId7"/>
     <p:sldId id="318" r:id="rId8"/>
-    <p:sldId id="322" r:id="rId9"/>
-    <p:sldId id="320" r:id="rId10"/>
-    <p:sldId id="321" r:id="rId11"/>
-    <p:sldId id="324" r:id="rId12"/>
-    <p:sldId id="326" r:id="rId13"/>
-    <p:sldId id="327" r:id="rId14"/>
+    <p:sldId id="321" r:id="rId9"/>
   </p:sldIdLst>
   <p:sldSz cx="12192000" cy="6858000"/>
   <p:notesSz cx="6858000" cy="9144000"/>
@@ -215,7 +210,7 @@
           <a:p>
             <a:fld id="{6A94A706-AF46-48B8-AC29-64B80E7034C6}" type="datetimeFigureOut">
               <a:rPr lang="zh-CN" altLang="en-US" smtClean="0"/>
-              <a:t>2018/7/17</a:t>
+              <a:t>2018/7/18</a:t>
             </a:fld>
             <a:endParaRPr lang="zh-CN" altLang="en-US"/>
           </a:p>
@@ -380,7 +375,7 @@
           <a:p>
             <a:fld id="{B6BDBB5A-38E1-4322-89CD-4825C7CECB2F}" type="datetimeFigureOut">
               <a:rPr lang="zh-CN" altLang="en-US" smtClean="0"/>
-              <a:t>2018/7/17</a:t>
+              <a:t>2018/7/18</a:t>
             </a:fld>
             <a:endParaRPr lang="zh-CN" altLang="en-US"/>
           </a:p>
@@ -809,7 +804,7 @@
           <a:p>
             <a:fld id="{36B18144-C909-42AB-BDA2-6431DEA04BAF}" type="datetimeFigureOut">
               <a:rPr lang="zh-CN" altLang="en-US" smtClean="0"/>
-              <a:t>2018/7/17</a:t>
+              <a:t>2018/7/18</a:t>
             </a:fld>
             <a:endParaRPr lang="zh-CN" altLang="en-US"/>
           </a:p>
@@ -1018,7 +1013,7 @@
           <a:p>
             <a:fld id="{36B18144-C909-42AB-BDA2-6431DEA04BAF}" type="datetimeFigureOut">
               <a:rPr lang="zh-CN" altLang="en-US" smtClean="0"/>
-              <a:t>2018/7/17</a:t>
+              <a:t>2018/7/18</a:t>
             </a:fld>
             <a:endParaRPr lang="zh-CN" altLang="en-US"/>
           </a:p>
@@ -1229,7 +1224,7 @@
           <a:p>
             <a:fld id="{36B18144-C909-42AB-BDA2-6431DEA04BAF}" type="datetimeFigureOut">
               <a:rPr lang="zh-CN" altLang="en-US" smtClean="0"/>
-              <a:t>2018/7/17</a:t>
+              <a:t>2018/7/18</a:t>
             </a:fld>
             <a:endParaRPr lang="zh-CN" altLang="en-US"/>
           </a:p>
@@ -1355,7 +1350,7 @@
           <a:p>
             <a:fld id="{36B18144-C909-42AB-BDA2-6431DEA04BAF}" type="datetimeFigureOut">
               <a:rPr lang="zh-CN" altLang="en-US" smtClean="0"/>
-              <a:t>2018/7/17</a:t>
+              <a:t>2018/7/18</a:t>
             </a:fld>
             <a:endParaRPr lang="zh-CN" altLang="en-US"/>
           </a:p>
@@ -1606,7 +1601,7 @@
           <a:p>
             <a:fld id="{36B18144-C909-42AB-BDA2-6431DEA04BAF}" type="datetimeFigureOut">
               <a:rPr lang="zh-CN" altLang="en-US" smtClean="0"/>
-              <a:t>2018/7/17</a:t>
+              <a:t>2018/7/18</a:t>
             </a:fld>
             <a:endParaRPr lang="zh-CN" altLang="en-US"/>
           </a:p>
@@ -1871,7 +1866,7 @@
           <a:p>
             <a:fld id="{36B18144-C909-42AB-BDA2-6431DEA04BAF}" type="datetimeFigureOut">
               <a:rPr lang="zh-CN" altLang="en-US" smtClean="0"/>
-              <a:t>2018/7/17</a:t>
+              <a:t>2018/7/18</a:t>
             </a:fld>
             <a:endParaRPr lang="zh-CN" altLang="en-US"/>
           </a:p>
@@ -2205,7 +2200,7 @@
           <a:p>
             <a:fld id="{36B18144-C909-42AB-BDA2-6431DEA04BAF}" type="datetimeFigureOut">
               <a:rPr lang="zh-CN" altLang="en-US" smtClean="0"/>
-              <a:t>2018/7/17</a:t>
+              <a:t>2018/7/18</a:t>
             </a:fld>
             <a:endParaRPr lang="zh-CN" altLang="en-US"/>
           </a:p>
@@ -2476,7 +2471,7 @@
           <a:p>
             <a:fld id="{36B18144-C909-42AB-BDA2-6431DEA04BAF}" type="datetimeFigureOut">
               <a:rPr lang="zh-CN" altLang="en-US" smtClean="0"/>
-              <a:t>2018/7/17</a:t>
+              <a:t>2018/7/18</a:t>
             </a:fld>
             <a:endParaRPr lang="zh-CN" altLang="en-US"/>
           </a:p>
@@ -2874,7 +2869,7 @@
           <a:p>
             <a:fld id="{36B18144-C909-42AB-BDA2-6431DEA04BAF}" type="datetimeFigureOut">
               <a:rPr lang="zh-CN" altLang="en-US" smtClean="0"/>
-              <a:t>2018/7/17</a:t>
+              <a:t>2018/7/18</a:t>
             </a:fld>
             <a:endParaRPr lang="zh-CN" altLang="en-US"/>
           </a:p>
@@ -3031,7 +3026,7 @@
           <a:p>
             <a:fld id="{36B18144-C909-42AB-BDA2-6431DEA04BAF}" type="datetimeFigureOut">
               <a:rPr lang="zh-CN" altLang="en-US" smtClean="0"/>
-              <a:t>2018/7/17</a:t>
+              <a:t>2018/7/18</a:t>
             </a:fld>
             <a:endParaRPr lang="zh-CN" altLang="en-US"/>
           </a:p>
@@ -3171,7 +3166,7 @@
           <a:p>
             <a:fld id="{36B18144-C909-42AB-BDA2-6431DEA04BAF}" type="datetimeFigureOut">
               <a:rPr lang="zh-CN" altLang="en-US" smtClean="0"/>
-              <a:t>2018/7/17</a:t>
+              <a:t>2018/7/18</a:t>
             </a:fld>
             <a:endParaRPr lang="zh-CN" altLang="en-US"/>
           </a:p>
@@ -3479,7 +3474,7 @@
           <a:p>
             <a:fld id="{36B18144-C909-42AB-BDA2-6431DEA04BAF}" type="datetimeFigureOut">
               <a:rPr lang="zh-CN" altLang="en-US" smtClean="0"/>
-              <a:t>2018/7/17</a:t>
+              <a:t>2018/7/18</a:t>
             </a:fld>
             <a:endParaRPr lang="zh-CN" altLang="en-US"/>
           </a:p>
@@ -3767,7 +3762,7 @@
           <a:p>
             <a:fld id="{36B18144-C909-42AB-BDA2-6431DEA04BAF}" type="datetimeFigureOut">
               <a:rPr lang="zh-CN" altLang="en-US" smtClean="0"/>
-              <a:t>2018/7/17</a:t>
+              <a:t>2018/7/18</a:t>
             </a:fld>
             <a:endParaRPr lang="zh-CN" altLang="en-US"/>
           </a:p>
@@ -4002,7 +3997,7 @@
           <a:p>
             <a:fld id="{36B18144-C909-42AB-BDA2-6431DEA04BAF}" type="datetimeFigureOut">
               <a:rPr lang="zh-CN" altLang="en-US" smtClean="0"/>
-              <a:t>2018/7/17</a:t>
+              <a:t>2018/7/18</a:t>
             </a:fld>
             <a:endParaRPr lang="zh-CN" altLang="en-US"/>
           </a:p>
@@ -4482,352 +4477,6 @@
 </p:sld>
 </file>
 
-<file path=ppt/slides/slide10.xml><?xml version="1.0" encoding="utf-8"?>
-<p:sld xmlns:a="http://schemas.openxmlformats.org/drawingml/2006/main" xmlns:r="http://schemas.openxmlformats.org/officeDocument/2006/relationships" xmlns:p="http://schemas.openxmlformats.org/presentationml/2006/main">
-  <p:cSld>
-    <p:spTree>
-      <p:nvGrpSpPr>
-        <p:cNvPr id="1" name=""/>
-        <p:cNvGrpSpPr/>
-        <p:nvPr/>
-      </p:nvGrpSpPr>
-      <p:grpSpPr>
-        <a:xfrm>
-          <a:off x="0" y="0"/>
-          <a:ext cx="0" cy="0"/>
-          <a:chOff x="0" y="0"/>
-          <a:chExt cx="0" cy="0"/>
-        </a:xfrm>
-      </p:grpSpPr>
-      <p:sp>
-        <p:nvSpPr>
-          <p:cNvPr id="2" name="标题 1"/>
-          <p:cNvSpPr>
-            <a:spLocks noGrp="1"/>
-          </p:cNvSpPr>
-          <p:nvPr>
-            <p:ph type="title"/>
-          </p:nvPr>
-        </p:nvSpPr>
-        <p:spPr/>
-        <p:txBody>
-          <a:bodyPr/>
-          <a:lstStyle/>
-          <a:p>
-            <a:r>
-              <a:rPr lang="zh-CN" altLang="en-US" dirty="0" smtClean="0"/>
-              <a:t>项目成效介绍（必须）</a:t>
-            </a:r>
-            <a:endParaRPr lang="zh-CN" altLang="en-US" dirty="0"/>
-          </a:p>
-        </p:txBody>
-      </p:sp>
-      <p:sp>
-        <p:nvSpPr>
-          <p:cNvPr id="3" name="内容占位符 2"/>
-          <p:cNvSpPr>
-            <a:spLocks noGrp="1"/>
-          </p:cNvSpPr>
-          <p:nvPr>
-            <p:ph idx="1"/>
-          </p:nvPr>
-        </p:nvSpPr>
-        <p:spPr>
-          <a:xfrm>
-            <a:off x="145143" y="1128199"/>
-            <a:ext cx="11208657" cy="4351338"/>
-          </a:xfrm>
-        </p:spPr>
-        <p:txBody>
-          <a:bodyPr/>
-          <a:lstStyle/>
-          <a:p>
-            <a:pPr>
-              <a:lnSpc>
-                <a:spcPct val="150000"/>
-              </a:lnSpc>
-            </a:pPr>
-            <a:r>
-              <a:rPr lang="zh-CN" altLang="en-US" dirty="0" smtClean="0"/>
-              <a:t>项目开展的营销活动及效果。（</a:t>
-            </a:r>
-            <a:r>
-              <a:rPr lang="zh-CN" altLang="en-US" dirty="0"/>
-              <a:t>用户</a:t>
-            </a:r>
-            <a:r>
-              <a:rPr lang="zh-CN" altLang="en-US" dirty="0" smtClean="0"/>
-              <a:t>数量新增、</a:t>
-            </a:r>
-            <a:r>
-              <a:rPr lang="zh-CN" altLang="en-US" dirty="0"/>
-              <a:t>用户活跃</a:t>
-            </a:r>
-            <a:r>
-              <a:rPr lang="zh-CN" altLang="en-US" dirty="0" smtClean="0"/>
-              <a:t>度提升、</a:t>
-            </a:r>
-            <a:r>
-              <a:rPr lang="zh-CN" altLang="en-US" dirty="0"/>
-              <a:t>产品销售</a:t>
-            </a:r>
-            <a:r>
-              <a:rPr lang="zh-CN" altLang="en-US" dirty="0" smtClean="0"/>
-              <a:t>收入等效果）</a:t>
-            </a:r>
-            <a:endParaRPr lang="en-US" altLang="zh-CN" dirty="0" smtClean="0"/>
-          </a:p>
-          <a:p>
-            <a:pPr>
-              <a:lnSpc>
-                <a:spcPct val="150000"/>
-              </a:lnSpc>
-            </a:pPr>
-            <a:r>
-              <a:rPr lang="zh-CN" altLang="en-US" dirty="0" smtClean="0"/>
-              <a:t>项目相关数据。（用户存量数据、活跃用户数、月均销售数据等</a:t>
-            </a:r>
-            <a:r>
-              <a:rPr lang="zh-CN" altLang="en-US" sz="1800" dirty="0" smtClean="0"/>
-              <a:t>（结合客户考核</a:t>
-            </a:r>
-            <a:r>
-              <a:rPr lang="en-US" altLang="zh-CN" sz="1800" dirty="0" smtClean="0"/>
-              <a:t>KPI</a:t>
-            </a:r>
-            <a:r>
-              <a:rPr lang="zh-CN" altLang="en-US" sz="1800" dirty="0" smtClean="0"/>
-              <a:t>）</a:t>
-            </a:r>
-            <a:r>
-              <a:rPr lang="zh-CN" altLang="en-US" dirty="0"/>
-              <a:t>）</a:t>
-            </a:r>
-            <a:endParaRPr lang="en-US" altLang="zh-CN" dirty="0"/>
-          </a:p>
-        </p:txBody>
-      </p:sp>
-    </p:spTree>
-    <p:extLst>
-      <p:ext uri="{BB962C8B-B14F-4D97-AF65-F5344CB8AC3E}">
-        <p14:creationId xmlns:p14="http://schemas.microsoft.com/office/powerpoint/2010/main" val="868421718"/>
-      </p:ext>
-    </p:extLst>
-  </p:cSld>
-  <p:clrMapOvr>
-    <a:masterClrMapping/>
-  </p:clrMapOvr>
-</p:sld>
-</file>
-
-<file path=ppt/slides/slide11.xml><?xml version="1.0" encoding="utf-8"?>
-<p:sld xmlns:a="http://schemas.openxmlformats.org/drawingml/2006/main" xmlns:r="http://schemas.openxmlformats.org/officeDocument/2006/relationships" xmlns:p="http://schemas.openxmlformats.org/presentationml/2006/main">
-  <p:cSld>
-    <p:spTree>
-      <p:nvGrpSpPr>
-        <p:cNvPr id="1" name=""/>
-        <p:cNvGrpSpPr/>
-        <p:nvPr/>
-      </p:nvGrpSpPr>
-      <p:grpSpPr>
-        <a:xfrm>
-          <a:off x="0" y="0"/>
-          <a:ext cx="0" cy="0"/>
-          <a:chOff x="0" y="0"/>
-          <a:chExt cx="0" cy="0"/>
-        </a:xfrm>
-      </p:grpSpPr>
-      <p:sp>
-        <p:nvSpPr>
-          <p:cNvPr id="2" name="标题 1"/>
-          <p:cNvSpPr>
-            <a:spLocks noGrp="1"/>
-          </p:cNvSpPr>
-          <p:nvPr>
-            <p:ph type="title"/>
-          </p:nvPr>
-        </p:nvSpPr>
-        <p:spPr/>
-        <p:txBody>
-          <a:bodyPr/>
-          <a:lstStyle/>
-          <a:p>
-            <a:r>
-              <a:rPr lang="zh-CN" altLang="en-US" dirty="0" smtClean="0"/>
-              <a:t>其他认为必要体现的内容（可选）</a:t>
-            </a:r>
-            <a:endParaRPr lang="zh-CN" altLang="en-US" dirty="0"/>
-          </a:p>
-        </p:txBody>
-      </p:sp>
-      <p:sp>
-        <p:nvSpPr>
-          <p:cNvPr id="3" name="内容占位符 2"/>
-          <p:cNvSpPr>
-            <a:spLocks noGrp="1"/>
-          </p:cNvSpPr>
-          <p:nvPr>
-            <p:ph idx="1"/>
-          </p:nvPr>
-        </p:nvSpPr>
-        <p:spPr/>
-        <p:txBody>
-          <a:bodyPr/>
-          <a:lstStyle/>
-          <a:p>
-            <a:endParaRPr lang="zh-CN" altLang="en-US"/>
-          </a:p>
-        </p:txBody>
-      </p:sp>
-    </p:spTree>
-    <p:extLst>
-      <p:ext uri="{BB962C8B-B14F-4D97-AF65-F5344CB8AC3E}">
-        <p14:creationId xmlns:p14="http://schemas.microsoft.com/office/powerpoint/2010/main" val="670652941"/>
-      </p:ext>
-    </p:extLst>
-  </p:cSld>
-  <p:clrMapOvr>
-    <a:masterClrMapping/>
-  </p:clrMapOvr>
-</p:sld>
-</file>
-
-<file path=ppt/slides/slide12.xml><?xml version="1.0" encoding="utf-8"?>
-<p:sld xmlns:a="http://schemas.openxmlformats.org/drawingml/2006/main" xmlns:r="http://schemas.openxmlformats.org/officeDocument/2006/relationships" xmlns:p="http://schemas.openxmlformats.org/presentationml/2006/main">
-  <p:cSld>
-    <p:spTree>
-      <p:nvGrpSpPr>
-        <p:cNvPr id="1" name=""/>
-        <p:cNvGrpSpPr/>
-        <p:nvPr/>
-      </p:nvGrpSpPr>
-      <p:grpSpPr>
-        <a:xfrm>
-          <a:off x="0" y="0"/>
-          <a:ext cx="0" cy="0"/>
-          <a:chOff x="0" y="0"/>
-          <a:chExt cx="0" cy="0"/>
-        </a:xfrm>
-      </p:grpSpPr>
-      <p:sp>
-        <p:nvSpPr>
-          <p:cNvPr id="2" name="标题 1"/>
-          <p:cNvSpPr>
-            <a:spLocks noGrp="1"/>
-          </p:cNvSpPr>
-          <p:nvPr>
-            <p:ph type="title"/>
-          </p:nvPr>
-        </p:nvSpPr>
-        <p:spPr/>
-        <p:txBody>
-          <a:bodyPr/>
-          <a:lstStyle/>
-          <a:p>
-            <a:endParaRPr lang="zh-CN" altLang="en-US"/>
-          </a:p>
-        </p:txBody>
-      </p:sp>
-      <p:sp>
-        <p:nvSpPr>
-          <p:cNvPr id="3" name="内容占位符 2"/>
-          <p:cNvSpPr>
-            <a:spLocks noGrp="1"/>
-          </p:cNvSpPr>
-          <p:nvPr>
-            <p:ph idx="1"/>
-          </p:nvPr>
-        </p:nvSpPr>
-        <p:spPr/>
-        <p:txBody>
-          <a:bodyPr/>
-          <a:lstStyle/>
-          <a:p>
-            <a:endParaRPr lang="zh-CN" altLang="en-US"/>
-          </a:p>
-        </p:txBody>
-      </p:sp>
-    </p:spTree>
-    <p:extLst>
-      <p:ext uri="{BB962C8B-B14F-4D97-AF65-F5344CB8AC3E}">
-        <p14:creationId xmlns:p14="http://schemas.microsoft.com/office/powerpoint/2010/main" val="3299919670"/>
-      </p:ext>
-    </p:extLst>
-  </p:cSld>
-  <p:clrMapOvr>
-    <a:masterClrMapping/>
-  </p:clrMapOvr>
-</p:sld>
-</file>
-
-<file path=ppt/slides/slide13.xml><?xml version="1.0" encoding="utf-8"?>
-<p:sld xmlns:a="http://schemas.openxmlformats.org/drawingml/2006/main" xmlns:r="http://schemas.openxmlformats.org/officeDocument/2006/relationships" xmlns:p="http://schemas.openxmlformats.org/presentationml/2006/main">
-  <p:cSld>
-    <p:spTree>
-      <p:nvGrpSpPr>
-        <p:cNvPr id="1" name=""/>
-        <p:cNvGrpSpPr/>
-        <p:nvPr/>
-      </p:nvGrpSpPr>
-      <p:grpSpPr>
-        <a:xfrm>
-          <a:off x="0" y="0"/>
-          <a:ext cx="0" cy="0"/>
-          <a:chOff x="0" y="0"/>
-          <a:chExt cx="0" cy="0"/>
-        </a:xfrm>
-      </p:grpSpPr>
-      <p:sp>
-        <p:nvSpPr>
-          <p:cNvPr id="2" name="标题 1"/>
-          <p:cNvSpPr>
-            <a:spLocks noGrp="1"/>
-          </p:cNvSpPr>
-          <p:nvPr>
-            <p:ph type="title"/>
-          </p:nvPr>
-        </p:nvSpPr>
-        <p:spPr/>
-        <p:txBody>
-          <a:bodyPr/>
-          <a:lstStyle/>
-          <a:p>
-            <a:endParaRPr lang="zh-CN" altLang="en-US"/>
-          </a:p>
-        </p:txBody>
-      </p:sp>
-      <p:sp>
-        <p:nvSpPr>
-          <p:cNvPr id="3" name="内容占位符 2"/>
-          <p:cNvSpPr>
-            <a:spLocks noGrp="1"/>
-          </p:cNvSpPr>
-          <p:nvPr>
-            <p:ph idx="1"/>
-          </p:nvPr>
-        </p:nvSpPr>
-        <p:spPr/>
-        <p:txBody>
-          <a:bodyPr/>
-          <a:lstStyle/>
-          <a:p>
-            <a:endParaRPr lang="zh-CN" altLang="en-US"/>
-          </a:p>
-        </p:txBody>
-      </p:sp>
-    </p:spTree>
-    <p:extLst>
-      <p:ext uri="{BB962C8B-B14F-4D97-AF65-F5344CB8AC3E}">
-        <p14:creationId xmlns:p14="http://schemas.microsoft.com/office/powerpoint/2010/main" val="760917581"/>
-      </p:ext>
-    </p:extLst>
-  </p:cSld>
-  <p:clrMapOvr>
-    <a:masterClrMapping/>
-  </p:clrMapOvr>
-</p:sld>
-</file>
-
 <file path=ppt/slides/slide2.xml><?xml version="1.0" encoding="utf-8"?>
 <p:sld xmlns:a="http://schemas.openxmlformats.org/drawingml/2006/main" xmlns:r="http://schemas.openxmlformats.org/officeDocument/2006/relationships" xmlns:p="http://schemas.openxmlformats.org/presentationml/2006/main">
   <p:cSld>
@@ -6386,8 +6035,8 @@
         </p:nvSpPr>
         <p:spPr>
           <a:xfrm>
-            <a:off x="142493" y="846163"/>
-            <a:ext cx="1331466" cy="614150"/>
+            <a:off x="4838493" y="928050"/>
+            <a:ext cx="1940285" cy="614150"/>
           </a:xfrm>
           <a:prstGeom prst="roundRect">
             <a:avLst/>
@@ -6416,40 +6065,73 @@
             <a:pPr algn="ctr"/>
             <a:r>
               <a:rPr lang="zh-CN" altLang="en-US" dirty="0" smtClean="0"/>
-              <a:t>第三方平台</a:t>
+              <a:t>外联网关系统</a:t>
             </a:r>
             <a:endParaRPr lang="zh-CN" altLang="en-US" dirty="0"/>
           </a:p>
         </p:txBody>
       </p:sp>
-      <p:sp>
-        <p:nvSpPr>
-          <p:cNvPr id="6" name="圆角矩形 5"/>
-          <p:cNvSpPr/>
+      <p:cxnSp>
+        <p:nvCxnSpPr>
+          <p:cNvPr id="5" name="直接连接符 4"/>
+          <p:cNvCxnSpPr>
+            <a:stCxn id="4" idx="2"/>
+            <a:endCxn id="8" idx="0"/>
+          </p:cNvCxnSpPr>
           <p:nvPr/>
-        </p:nvSpPr>
-        <p:spPr>
-          <a:xfrm>
-            <a:off x="2715904" y="846163"/>
-            <a:ext cx="1405720" cy="723330"/>
-          </a:xfrm>
-          <a:prstGeom prst="roundRect">
+        </p:nvCxnSpPr>
+        <p:spPr>
+          <a:xfrm flipH="1">
+            <a:off x="5808635" y="1542200"/>
+            <a:ext cx="1" cy="334369"/>
+          </a:xfrm>
+          <a:prstGeom prst="line">
             <a:avLst/>
           </a:prstGeom>
         </p:spPr>
         <p:style>
-          <a:lnRef idx="2">
-            <a:schemeClr val="accent1">
-              <a:shade val="50000"/>
-            </a:schemeClr>
+          <a:lnRef idx="1">
+            <a:schemeClr val="accent1"/>
           </a:lnRef>
-          <a:fillRef idx="1">
+          <a:fillRef idx="0">
             <a:schemeClr val="accent1"/>
           </a:fillRef>
           <a:effectRef idx="0">
             <a:schemeClr val="accent1"/>
           </a:effectRef>
           <a:fontRef idx="minor">
+            <a:schemeClr val="tx1"/>
+          </a:fontRef>
+        </p:style>
+      </p:cxnSp>
+      <p:sp>
+        <p:nvSpPr>
+          <p:cNvPr id="7" name="圆角矩形 6"/>
+          <p:cNvSpPr/>
+          <p:nvPr/>
+        </p:nvSpPr>
+        <p:spPr>
+          <a:xfrm>
+            <a:off x="802915" y="1876569"/>
+            <a:ext cx="1940285" cy="614150"/>
+          </a:xfrm>
+          <a:prstGeom prst="roundRect">
+            <a:avLst/>
+          </a:prstGeom>
+        </p:spPr>
+        <p:style>
+          <a:lnRef idx="2">
+            <a:schemeClr val="accent2">
+              <a:shade val="50000"/>
+            </a:schemeClr>
+          </a:lnRef>
+          <a:fillRef idx="1">
+            <a:schemeClr val="accent2"/>
+          </a:fillRef>
+          <a:effectRef idx="0">
+            <a:schemeClr val="accent2"/>
+          </a:effectRef>
+          <a:fontRef idx="minor">
             <a:schemeClr val="lt1"/>
           </a:fontRef>
         </p:style>
@@ -6458,10 +6140,970 @@
           <a:lstStyle/>
           <a:p>
             <a:pPr algn="ctr"/>
+            <a:r>
+              <a:rPr lang="zh-CN" altLang="en-US" dirty="0" smtClean="0"/>
+              <a:t>第三方平台</a:t>
+            </a:r>
+            <a:endParaRPr lang="zh-CN" altLang="en-US" dirty="0"/>
+          </a:p>
+        </p:txBody>
+      </p:sp>
+      <p:sp>
+        <p:nvSpPr>
+          <p:cNvPr id="8" name="圆角矩形 7"/>
+          <p:cNvSpPr/>
+          <p:nvPr/>
+        </p:nvSpPr>
+        <p:spPr>
+          <a:xfrm>
+            <a:off x="4838492" y="1876569"/>
+            <a:ext cx="1940285" cy="614150"/>
+          </a:xfrm>
+          <a:prstGeom prst="roundRect">
+            <a:avLst/>
+          </a:prstGeom>
+        </p:spPr>
+        <p:style>
+          <a:lnRef idx="2">
+            <a:schemeClr val="accent2">
+              <a:shade val="50000"/>
+            </a:schemeClr>
+          </a:lnRef>
+          <a:fillRef idx="1">
+            <a:schemeClr val="accent2"/>
+          </a:fillRef>
+          <a:effectRef idx="0">
+            <a:schemeClr val="accent2"/>
+          </a:effectRef>
+          <a:fontRef idx="minor">
+            <a:schemeClr val="lt1"/>
+          </a:fontRef>
+        </p:style>
+        <p:txBody>
+          <a:bodyPr rtlCol="0" anchor="ctr"/>
+          <a:lstStyle/>
+          <a:p>
+            <a:pPr algn="ctr"/>
+            <a:r>
+              <a:rPr lang="zh-CN" altLang="en-US" dirty="0" smtClean="0"/>
+              <a:t>行外系统</a:t>
+            </a:r>
+            <a:endParaRPr lang="zh-CN" altLang="en-US" dirty="0"/>
+          </a:p>
+        </p:txBody>
+      </p:sp>
+      <p:sp>
+        <p:nvSpPr>
+          <p:cNvPr id="9" name="圆角矩形 8"/>
+          <p:cNvSpPr/>
+          <p:nvPr/>
+        </p:nvSpPr>
+        <p:spPr>
+          <a:xfrm>
+            <a:off x="9256206" y="1876569"/>
+            <a:ext cx="1940285" cy="614150"/>
+          </a:xfrm>
+          <a:prstGeom prst="roundRect">
+            <a:avLst/>
+          </a:prstGeom>
+        </p:spPr>
+        <p:style>
+          <a:lnRef idx="2">
+            <a:schemeClr val="accent2">
+              <a:shade val="50000"/>
+            </a:schemeClr>
+          </a:lnRef>
+          <a:fillRef idx="1">
+            <a:schemeClr val="accent2"/>
+          </a:fillRef>
+          <a:effectRef idx="0">
+            <a:schemeClr val="accent2"/>
+          </a:effectRef>
+          <a:fontRef idx="minor">
+            <a:schemeClr val="lt1"/>
+          </a:fontRef>
+        </p:style>
+        <p:txBody>
+          <a:bodyPr rtlCol="0" anchor="ctr"/>
+          <a:lstStyle/>
+          <a:p>
+            <a:pPr algn="ctr"/>
+            <a:r>
+              <a:rPr lang="zh-CN" altLang="en-US" dirty="0"/>
+              <a:t>第三</a:t>
+            </a:r>
+            <a:r>
+              <a:rPr lang="zh-CN" altLang="en-US" dirty="0" smtClean="0"/>
+              <a:t>方</a:t>
+            </a:r>
+            <a:r>
+              <a:rPr lang="zh-CN" altLang="en-US" dirty="0"/>
+              <a:t>机构</a:t>
+            </a:r>
+            <a:endParaRPr lang="zh-CN" altLang="en-US" dirty="0"/>
+          </a:p>
+        </p:txBody>
+      </p:sp>
+      <p:cxnSp>
+        <p:nvCxnSpPr>
+          <p:cNvPr id="20" name="肘形连接符 19"/>
+          <p:cNvCxnSpPr>
+            <a:stCxn id="9" idx="0"/>
+            <a:endCxn id="7" idx="0"/>
+          </p:cNvCxnSpPr>
+          <p:nvPr/>
+        </p:nvCxnSpPr>
+        <p:spPr>
+          <a:xfrm rot="16200000" flipV="1">
+            <a:off x="5999704" y="-2350077"/>
+            <a:ext cx="12700" cy="8453291"/>
+          </a:xfrm>
+          <a:prstGeom prst="bentConnector3">
+            <a:avLst>
+              <a:gd name="adj1" fmla="val 1800000"/>
+            </a:avLst>
+          </a:prstGeom>
+        </p:spPr>
+        <p:style>
+          <a:lnRef idx="1">
+            <a:schemeClr val="accent1"/>
+          </a:lnRef>
+          <a:fillRef idx="0">
+            <a:schemeClr val="accent1"/>
+          </a:fillRef>
+          <a:effectRef idx="0">
+            <a:schemeClr val="accent1"/>
+          </a:effectRef>
+          <a:fontRef idx="minor">
+            <a:schemeClr val="tx1"/>
+          </a:fontRef>
+        </p:style>
+      </p:cxnSp>
+      <p:sp>
+        <p:nvSpPr>
+          <p:cNvPr id="22" name="矩形 21"/>
+          <p:cNvSpPr/>
+          <p:nvPr/>
+        </p:nvSpPr>
+        <p:spPr>
+          <a:xfrm>
+            <a:off x="420778" y="3330053"/>
+            <a:ext cx="573206" cy="2797792"/>
+          </a:xfrm>
+          <a:prstGeom prst="rect">
+            <a:avLst/>
+          </a:prstGeom>
+        </p:spPr>
+        <p:style>
+          <a:lnRef idx="2">
+            <a:schemeClr val="accent2">
+              <a:shade val="50000"/>
+            </a:schemeClr>
+          </a:lnRef>
+          <a:fillRef idx="1">
+            <a:schemeClr val="accent2"/>
+          </a:fillRef>
+          <a:effectRef idx="0">
+            <a:schemeClr val="accent2"/>
+          </a:effectRef>
+          <a:fontRef idx="minor">
+            <a:schemeClr val="lt1"/>
+          </a:fontRef>
+        </p:style>
+        <p:txBody>
+          <a:bodyPr rtlCol="0" anchor="ctr"/>
+          <a:lstStyle/>
+          <a:p>
+            <a:pPr algn="ctr"/>
             <a:endParaRPr lang="zh-CN" altLang="en-US"/>
           </a:p>
         </p:txBody>
       </p:sp>
+      <p:sp>
+        <p:nvSpPr>
+          <p:cNvPr id="23" name="矩形 22"/>
+          <p:cNvSpPr/>
+          <p:nvPr/>
+        </p:nvSpPr>
+        <p:spPr>
+          <a:xfrm>
+            <a:off x="1486454" y="3330053"/>
+            <a:ext cx="573206" cy="2797792"/>
+          </a:xfrm>
+          <a:prstGeom prst="rect">
+            <a:avLst/>
+          </a:prstGeom>
+        </p:spPr>
+        <p:style>
+          <a:lnRef idx="2">
+            <a:schemeClr val="accent2">
+              <a:shade val="50000"/>
+            </a:schemeClr>
+          </a:lnRef>
+          <a:fillRef idx="1">
+            <a:schemeClr val="accent2"/>
+          </a:fillRef>
+          <a:effectRef idx="0">
+            <a:schemeClr val="accent2"/>
+          </a:effectRef>
+          <a:fontRef idx="minor">
+            <a:schemeClr val="lt1"/>
+          </a:fontRef>
+        </p:style>
+        <p:txBody>
+          <a:bodyPr rtlCol="0" anchor="ctr"/>
+          <a:lstStyle/>
+          <a:p>
+            <a:pPr algn="ctr"/>
+            <a:endParaRPr lang="zh-CN" altLang="en-US"/>
+          </a:p>
+        </p:txBody>
+      </p:sp>
+      <p:sp>
+        <p:nvSpPr>
+          <p:cNvPr id="24" name="矩形 23"/>
+          <p:cNvSpPr/>
+          <p:nvPr/>
+        </p:nvSpPr>
+        <p:spPr>
+          <a:xfrm>
+            <a:off x="2552130" y="3330053"/>
+            <a:ext cx="573206" cy="2797792"/>
+          </a:xfrm>
+          <a:prstGeom prst="rect">
+            <a:avLst/>
+          </a:prstGeom>
+        </p:spPr>
+        <p:style>
+          <a:lnRef idx="2">
+            <a:schemeClr val="accent2">
+              <a:shade val="50000"/>
+            </a:schemeClr>
+          </a:lnRef>
+          <a:fillRef idx="1">
+            <a:schemeClr val="accent2"/>
+          </a:fillRef>
+          <a:effectRef idx="0">
+            <a:schemeClr val="accent2"/>
+          </a:effectRef>
+          <a:fontRef idx="minor">
+            <a:schemeClr val="lt1"/>
+          </a:fontRef>
+        </p:style>
+        <p:txBody>
+          <a:bodyPr rtlCol="0" anchor="ctr"/>
+          <a:lstStyle/>
+          <a:p>
+            <a:pPr algn="ctr"/>
+            <a:endParaRPr lang="zh-CN" altLang="en-US"/>
+          </a:p>
+        </p:txBody>
+      </p:sp>
+      <p:sp>
+        <p:nvSpPr>
+          <p:cNvPr id="27" name="矩形 26"/>
+          <p:cNvSpPr/>
+          <p:nvPr/>
+        </p:nvSpPr>
+        <p:spPr>
+          <a:xfrm>
+            <a:off x="4462790" y="3330053"/>
+            <a:ext cx="573206" cy="2797792"/>
+          </a:xfrm>
+          <a:prstGeom prst="rect">
+            <a:avLst/>
+          </a:prstGeom>
+        </p:spPr>
+        <p:style>
+          <a:lnRef idx="2">
+            <a:schemeClr val="accent2">
+              <a:shade val="50000"/>
+            </a:schemeClr>
+          </a:lnRef>
+          <a:fillRef idx="1">
+            <a:schemeClr val="accent2"/>
+          </a:fillRef>
+          <a:effectRef idx="0">
+            <a:schemeClr val="accent2"/>
+          </a:effectRef>
+          <a:fontRef idx="minor">
+            <a:schemeClr val="lt1"/>
+          </a:fontRef>
+        </p:style>
+        <p:txBody>
+          <a:bodyPr rtlCol="0" anchor="ctr"/>
+          <a:lstStyle/>
+          <a:p>
+            <a:pPr algn="ctr"/>
+            <a:endParaRPr lang="zh-CN" altLang="en-US"/>
+          </a:p>
+        </p:txBody>
+      </p:sp>
+      <p:sp>
+        <p:nvSpPr>
+          <p:cNvPr id="28" name="矩形 27"/>
+          <p:cNvSpPr/>
+          <p:nvPr/>
+        </p:nvSpPr>
+        <p:spPr>
+          <a:xfrm>
+            <a:off x="5528466" y="3330053"/>
+            <a:ext cx="573206" cy="2797792"/>
+          </a:xfrm>
+          <a:prstGeom prst="rect">
+            <a:avLst/>
+          </a:prstGeom>
+        </p:spPr>
+        <p:style>
+          <a:lnRef idx="2">
+            <a:schemeClr val="accent2">
+              <a:shade val="50000"/>
+            </a:schemeClr>
+          </a:lnRef>
+          <a:fillRef idx="1">
+            <a:schemeClr val="accent2"/>
+          </a:fillRef>
+          <a:effectRef idx="0">
+            <a:schemeClr val="accent2"/>
+          </a:effectRef>
+          <a:fontRef idx="minor">
+            <a:schemeClr val="lt1"/>
+          </a:fontRef>
+        </p:style>
+        <p:txBody>
+          <a:bodyPr rtlCol="0" anchor="ctr"/>
+          <a:lstStyle/>
+          <a:p>
+            <a:pPr algn="ctr"/>
+            <a:endParaRPr lang="zh-CN" altLang="en-US"/>
+          </a:p>
+        </p:txBody>
+      </p:sp>
+      <p:sp>
+        <p:nvSpPr>
+          <p:cNvPr id="29" name="矩形 28"/>
+          <p:cNvSpPr/>
+          <p:nvPr/>
+        </p:nvSpPr>
+        <p:spPr>
+          <a:xfrm>
+            <a:off x="6594142" y="3330053"/>
+            <a:ext cx="573206" cy="2797792"/>
+          </a:xfrm>
+          <a:prstGeom prst="rect">
+            <a:avLst/>
+          </a:prstGeom>
+        </p:spPr>
+        <p:style>
+          <a:lnRef idx="2">
+            <a:schemeClr val="accent2">
+              <a:shade val="50000"/>
+            </a:schemeClr>
+          </a:lnRef>
+          <a:fillRef idx="1">
+            <a:schemeClr val="accent2"/>
+          </a:fillRef>
+          <a:effectRef idx="0">
+            <a:schemeClr val="accent2"/>
+          </a:effectRef>
+          <a:fontRef idx="minor">
+            <a:schemeClr val="lt1"/>
+          </a:fontRef>
+        </p:style>
+        <p:txBody>
+          <a:bodyPr rtlCol="0" anchor="ctr"/>
+          <a:lstStyle/>
+          <a:p>
+            <a:pPr algn="ctr"/>
+            <a:endParaRPr lang="zh-CN" altLang="en-US"/>
+          </a:p>
+        </p:txBody>
+      </p:sp>
+      <p:sp>
+        <p:nvSpPr>
+          <p:cNvPr id="30" name="矩形 29"/>
+          <p:cNvSpPr/>
+          <p:nvPr/>
+        </p:nvSpPr>
+        <p:spPr>
+          <a:xfrm>
+            <a:off x="8920347" y="3330053"/>
+            <a:ext cx="573206" cy="2797792"/>
+          </a:xfrm>
+          <a:prstGeom prst="rect">
+            <a:avLst/>
+          </a:prstGeom>
+        </p:spPr>
+        <p:style>
+          <a:lnRef idx="2">
+            <a:schemeClr val="accent2">
+              <a:shade val="50000"/>
+            </a:schemeClr>
+          </a:lnRef>
+          <a:fillRef idx="1">
+            <a:schemeClr val="accent2"/>
+          </a:fillRef>
+          <a:effectRef idx="0">
+            <a:schemeClr val="accent2"/>
+          </a:effectRef>
+          <a:fontRef idx="minor">
+            <a:schemeClr val="lt1"/>
+          </a:fontRef>
+        </p:style>
+        <p:txBody>
+          <a:bodyPr rtlCol="0" anchor="ctr"/>
+          <a:lstStyle/>
+          <a:p>
+            <a:pPr algn="ctr"/>
+            <a:endParaRPr lang="zh-CN" altLang="en-US"/>
+          </a:p>
+        </p:txBody>
+      </p:sp>
+      <p:sp>
+        <p:nvSpPr>
+          <p:cNvPr id="31" name="矩形 30"/>
+          <p:cNvSpPr/>
+          <p:nvPr/>
+        </p:nvSpPr>
+        <p:spPr>
+          <a:xfrm>
+            <a:off x="9986023" y="3330053"/>
+            <a:ext cx="573206" cy="2797792"/>
+          </a:xfrm>
+          <a:prstGeom prst="rect">
+            <a:avLst/>
+          </a:prstGeom>
+        </p:spPr>
+        <p:style>
+          <a:lnRef idx="2">
+            <a:schemeClr val="accent2">
+              <a:shade val="50000"/>
+            </a:schemeClr>
+          </a:lnRef>
+          <a:fillRef idx="1">
+            <a:schemeClr val="accent2"/>
+          </a:fillRef>
+          <a:effectRef idx="0">
+            <a:schemeClr val="accent2"/>
+          </a:effectRef>
+          <a:fontRef idx="minor">
+            <a:schemeClr val="lt1"/>
+          </a:fontRef>
+        </p:style>
+        <p:txBody>
+          <a:bodyPr rtlCol="0" anchor="ctr"/>
+          <a:lstStyle/>
+          <a:p>
+            <a:pPr algn="ctr"/>
+            <a:endParaRPr lang="zh-CN" altLang="en-US"/>
+          </a:p>
+        </p:txBody>
+      </p:sp>
+      <p:sp>
+        <p:nvSpPr>
+          <p:cNvPr id="32" name="矩形 31"/>
+          <p:cNvSpPr/>
+          <p:nvPr/>
+        </p:nvSpPr>
+        <p:spPr>
+          <a:xfrm>
+            <a:off x="11051699" y="3330053"/>
+            <a:ext cx="573206" cy="2797792"/>
+          </a:xfrm>
+          <a:prstGeom prst="rect">
+            <a:avLst/>
+          </a:prstGeom>
+        </p:spPr>
+        <p:style>
+          <a:lnRef idx="2">
+            <a:schemeClr val="accent2">
+              <a:shade val="50000"/>
+            </a:schemeClr>
+          </a:lnRef>
+          <a:fillRef idx="1">
+            <a:schemeClr val="accent2"/>
+          </a:fillRef>
+          <a:effectRef idx="0">
+            <a:schemeClr val="accent2"/>
+          </a:effectRef>
+          <a:fontRef idx="minor">
+            <a:schemeClr val="lt1"/>
+          </a:fontRef>
+        </p:style>
+        <p:txBody>
+          <a:bodyPr rtlCol="0" anchor="ctr"/>
+          <a:lstStyle/>
+          <a:p>
+            <a:pPr algn="ctr"/>
+            <a:endParaRPr lang="zh-CN" altLang="en-US"/>
+          </a:p>
+        </p:txBody>
+      </p:sp>
+      <p:sp>
+        <p:nvSpPr>
+          <p:cNvPr id="34" name="文本框 33"/>
+          <p:cNvSpPr txBox="1"/>
+          <p:nvPr/>
+        </p:nvSpPr>
+        <p:spPr>
+          <a:xfrm>
+            <a:off x="476548" y="3439235"/>
+            <a:ext cx="461665" cy="2579427"/>
+          </a:xfrm>
+          <a:prstGeom prst="rect">
+            <a:avLst/>
+          </a:prstGeom>
+          <a:noFill/>
+        </p:spPr>
+        <p:txBody>
+          <a:bodyPr vert="eaVert" wrap="square" rtlCol="0">
+            <a:spAutoFit/>
+          </a:bodyPr>
+          <a:lstStyle/>
+          <a:p>
+            <a:r>
+              <a:rPr lang="en-US" altLang="zh-CN" dirty="0" smtClean="0"/>
+              <a:t>P2P</a:t>
+            </a:r>
+            <a:r>
+              <a:rPr lang="zh-CN" altLang="en-US" dirty="0" smtClean="0"/>
+              <a:t>平台</a:t>
+            </a:r>
+            <a:endParaRPr lang="zh-CN" altLang="en-US" dirty="0"/>
+          </a:p>
+        </p:txBody>
+      </p:sp>
+      <p:sp>
+        <p:nvSpPr>
+          <p:cNvPr id="35" name="文本框 34"/>
+          <p:cNvSpPr txBox="1"/>
+          <p:nvPr/>
+        </p:nvSpPr>
+        <p:spPr>
+          <a:xfrm>
+            <a:off x="1548575" y="3439234"/>
+            <a:ext cx="461665" cy="2579427"/>
+          </a:xfrm>
+          <a:prstGeom prst="rect">
+            <a:avLst/>
+          </a:prstGeom>
+          <a:noFill/>
+        </p:spPr>
+        <p:txBody>
+          <a:bodyPr vert="eaVert" wrap="square" rtlCol="0">
+            <a:spAutoFit/>
+          </a:bodyPr>
+          <a:lstStyle/>
+          <a:p>
+            <a:r>
+              <a:rPr lang="zh-CN" altLang="en-US" dirty="0" smtClean="0"/>
+              <a:t>委贷平台</a:t>
+            </a:r>
+            <a:endParaRPr lang="zh-CN" altLang="en-US" dirty="0"/>
+          </a:p>
+        </p:txBody>
+      </p:sp>
+      <p:sp>
+        <p:nvSpPr>
+          <p:cNvPr id="36" name="文本框 35"/>
+          <p:cNvSpPr txBox="1"/>
+          <p:nvPr/>
+        </p:nvSpPr>
+        <p:spPr>
+          <a:xfrm>
+            <a:off x="2607900" y="3439234"/>
+            <a:ext cx="461665" cy="2579427"/>
+          </a:xfrm>
+          <a:prstGeom prst="rect">
+            <a:avLst/>
+          </a:prstGeom>
+          <a:noFill/>
+        </p:spPr>
+        <p:txBody>
+          <a:bodyPr vert="eaVert" wrap="square" rtlCol="0">
+            <a:spAutoFit/>
+          </a:bodyPr>
+          <a:lstStyle/>
+          <a:p>
+            <a:r>
+              <a:rPr lang="zh-CN" altLang="en-US" dirty="0" smtClean="0"/>
+              <a:t>助贷平台</a:t>
+            </a:r>
+            <a:endParaRPr lang="zh-CN" altLang="en-US" dirty="0"/>
+          </a:p>
+        </p:txBody>
+      </p:sp>
+      <p:sp>
+        <p:nvSpPr>
+          <p:cNvPr id="37" name="文本框 36"/>
+          <p:cNvSpPr txBox="1"/>
+          <p:nvPr/>
+        </p:nvSpPr>
+        <p:spPr>
+          <a:xfrm>
+            <a:off x="4518560" y="3439234"/>
+            <a:ext cx="461665" cy="2579427"/>
+          </a:xfrm>
+          <a:prstGeom prst="rect">
+            <a:avLst/>
+          </a:prstGeom>
+          <a:noFill/>
+        </p:spPr>
+        <p:txBody>
+          <a:bodyPr vert="eaVert" wrap="square" rtlCol="0">
+            <a:spAutoFit/>
+          </a:bodyPr>
+          <a:lstStyle/>
+          <a:p>
+            <a:r>
+              <a:rPr lang="zh-CN" altLang="en-US" dirty="0" smtClean="0"/>
+              <a:t>国政通联网核查系统</a:t>
+            </a:r>
+            <a:endParaRPr lang="zh-CN" altLang="en-US" dirty="0"/>
+          </a:p>
+        </p:txBody>
+      </p:sp>
+      <p:sp>
+        <p:nvSpPr>
+          <p:cNvPr id="38" name="文本框 37"/>
+          <p:cNvSpPr txBox="1"/>
+          <p:nvPr/>
+        </p:nvSpPr>
+        <p:spPr>
+          <a:xfrm>
+            <a:off x="5584152" y="3439234"/>
+            <a:ext cx="461665" cy="2579427"/>
+          </a:xfrm>
+          <a:prstGeom prst="rect">
+            <a:avLst/>
+          </a:prstGeom>
+          <a:noFill/>
+        </p:spPr>
+        <p:txBody>
+          <a:bodyPr vert="eaVert" wrap="square" rtlCol="0">
+            <a:spAutoFit/>
+          </a:bodyPr>
+          <a:lstStyle/>
+          <a:p>
+            <a:r>
+              <a:rPr lang="zh-CN" altLang="en-US" dirty="0" smtClean="0"/>
+              <a:t>翼支付</a:t>
+            </a:r>
+            <a:endParaRPr lang="zh-CN" altLang="en-US" dirty="0"/>
+          </a:p>
+        </p:txBody>
+      </p:sp>
+      <p:sp>
+        <p:nvSpPr>
+          <p:cNvPr id="39" name="文本框 38"/>
+          <p:cNvSpPr txBox="1"/>
+          <p:nvPr/>
+        </p:nvSpPr>
+        <p:spPr>
+          <a:xfrm>
+            <a:off x="6649912" y="3439233"/>
+            <a:ext cx="461665" cy="2579427"/>
+          </a:xfrm>
+          <a:prstGeom prst="rect">
+            <a:avLst/>
+          </a:prstGeom>
+          <a:noFill/>
+        </p:spPr>
+        <p:txBody>
+          <a:bodyPr vert="eaVert" wrap="square" rtlCol="0">
+            <a:spAutoFit/>
+          </a:bodyPr>
+          <a:lstStyle/>
+          <a:p>
+            <a:r>
+              <a:rPr lang="zh-CN" altLang="en-US" dirty="0" smtClean="0"/>
+              <a:t>中金支付渠道</a:t>
+            </a:r>
+            <a:endParaRPr lang="zh-CN" altLang="en-US" dirty="0"/>
+          </a:p>
+        </p:txBody>
+      </p:sp>
+      <p:sp>
+        <p:nvSpPr>
+          <p:cNvPr id="43" name="文本框 42"/>
+          <p:cNvSpPr txBox="1"/>
+          <p:nvPr/>
+        </p:nvSpPr>
+        <p:spPr>
+          <a:xfrm>
+            <a:off x="8976117" y="3439232"/>
+            <a:ext cx="461665" cy="2579427"/>
+          </a:xfrm>
+          <a:prstGeom prst="rect">
+            <a:avLst/>
+          </a:prstGeom>
+          <a:noFill/>
+        </p:spPr>
+        <p:txBody>
+          <a:bodyPr vert="eaVert" wrap="square" rtlCol="0">
+            <a:spAutoFit/>
+          </a:bodyPr>
+          <a:lstStyle/>
+          <a:p>
+            <a:r>
+              <a:rPr lang="zh-CN" altLang="en-US" dirty="0" smtClean="0"/>
+              <a:t>银联云闪付</a:t>
+            </a:r>
+            <a:endParaRPr lang="zh-CN" altLang="en-US" dirty="0"/>
+          </a:p>
+        </p:txBody>
+      </p:sp>
+      <p:sp>
+        <p:nvSpPr>
+          <p:cNvPr id="44" name="文本框 43"/>
+          <p:cNvSpPr txBox="1"/>
+          <p:nvPr/>
+        </p:nvSpPr>
+        <p:spPr>
+          <a:xfrm>
+            <a:off x="10041793" y="3418763"/>
+            <a:ext cx="461665" cy="2579427"/>
+          </a:xfrm>
+          <a:prstGeom prst="rect">
+            <a:avLst/>
+          </a:prstGeom>
+          <a:noFill/>
+        </p:spPr>
+        <p:txBody>
+          <a:bodyPr vert="eaVert" wrap="square" rtlCol="0">
+            <a:spAutoFit/>
+          </a:bodyPr>
+          <a:lstStyle/>
+          <a:p>
+            <a:r>
+              <a:rPr lang="zh-CN" altLang="en-US" dirty="0"/>
+              <a:t>拉卡拉</a:t>
+            </a:r>
+          </a:p>
+        </p:txBody>
+      </p:sp>
+      <p:sp>
+        <p:nvSpPr>
+          <p:cNvPr id="45" name="文本框 44"/>
+          <p:cNvSpPr txBox="1"/>
+          <p:nvPr/>
+        </p:nvSpPr>
+        <p:spPr>
+          <a:xfrm>
+            <a:off x="11107469" y="3439231"/>
+            <a:ext cx="461665" cy="2579427"/>
+          </a:xfrm>
+          <a:prstGeom prst="rect">
+            <a:avLst/>
+          </a:prstGeom>
+          <a:noFill/>
+        </p:spPr>
+        <p:txBody>
+          <a:bodyPr vert="eaVert" wrap="square" rtlCol="0">
+            <a:spAutoFit/>
+          </a:bodyPr>
+          <a:lstStyle/>
+          <a:p>
+            <a:r>
+              <a:rPr lang="zh-CN" altLang="en-US" dirty="0" smtClean="0"/>
+              <a:t>网联</a:t>
+            </a:r>
+            <a:endParaRPr lang="zh-CN" altLang="en-US" dirty="0"/>
+          </a:p>
+        </p:txBody>
+      </p:sp>
+      <p:cxnSp>
+        <p:nvCxnSpPr>
+          <p:cNvPr id="47" name="直接连接符 46"/>
+          <p:cNvCxnSpPr>
+            <a:stCxn id="7" idx="2"/>
+            <a:endCxn id="23" idx="0"/>
+          </p:cNvCxnSpPr>
+          <p:nvPr/>
+        </p:nvCxnSpPr>
+        <p:spPr>
+          <a:xfrm flipH="1">
+            <a:off x="1773057" y="2490719"/>
+            <a:ext cx="1" cy="839334"/>
+          </a:xfrm>
+          <a:prstGeom prst="line">
+            <a:avLst/>
+          </a:prstGeom>
+        </p:spPr>
+        <p:style>
+          <a:lnRef idx="1">
+            <a:schemeClr val="accent1"/>
+          </a:lnRef>
+          <a:fillRef idx="0">
+            <a:schemeClr val="accent1"/>
+          </a:fillRef>
+          <a:effectRef idx="0">
+            <a:schemeClr val="accent1"/>
+          </a:effectRef>
+          <a:fontRef idx="minor">
+            <a:schemeClr val="tx1"/>
+          </a:fontRef>
+        </p:style>
+      </p:cxnSp>
+      <p:cxnSp>
+        <p:nvCxnSpPr>
+          <p:cNvPr id="51" name="直接连接符 50"/>
+          <p:cNvCxnSpPr/>
+          <p:nvPr/>
+        </p:nvCxnSpPr>
+        <p:spPr>
+          <a:xfrm flipH="1">
+            <a:off x="10272625" y="2497070"/>
+            <a:ext cx="1" cy="839334"/>
+          </a:xfrm>
+          <a:prstGeom prst="line">
+            <a:avLst/>
+          </a:prstGeom>
+        </p:spPr>
+        <p:style>
+          <a:lnRef idx="1">
+            <a:schemeClr val="accent1"/>
+          </a:lnRef>
+          <a:fillRef idx="0">
+            <a:schemeClr val="accent1"/>
+          </a:fillRef>
+          <a:effectRef idx="0">
+            <a:schemeClr val="accent1"/>
+          </a:effectRef>
+          <a:fontRef idx="minor">
+            <a:schemeClr val="tx1"/>
+          </a:fontRef>
+        </p:style>
+      </p:cxnSp>
+      <p:cxnSp>
+        <p:nvCxnSpPr>
+          <p:cNvPr id="52" name="直接连接符 51"/>
+          <p:cNvCxnSpPr/>
+          <p:nvPr/>
+        </p:nvCxnSpPr>
+        <p:spPr>
+          <a:xfrm flipH="1">
+            <a:off x="5811319" y="2490716"/>
+            <a:ext cx="1" cy="839334"/>
+          </a:xfrm>
+          <a:prstGeom prst="line">
+            <a:avLst/>
+          </a:prstGeom>
+        </p:spPr>
+        <p:style>
+          <a:lnRef idx="1">
+            <a:schemeClr val="accent1"/>
+          </a:lnRef>
+          <a:fillRef idx="0">
+            <a:schemeClr val="accent1"/>
+          </a:fillRef>
+          <a:effectRef idx="0">
+            <a:schemeClr val="accent1"/>
+          </a:effectRef>
+          <a:fontRef idx="minor">
+            <a:schemeClr val="tx1"/>
+          </a:fontRef>
+        </p:style>
+      </p:cxnSp>
+      <p:cxnSp>
+        <p:nvCxnSpPr>
+          <p:cNvPr id="54" name="肘形连接符 53"/>
+          <p:cNvCxnSpPr>
+            <a:stCxn id="22" idx="0"/>
+            <a:endCxn id="24" idx="0"/>
+          </p:cNvCxnSpPr>
+          <p:nvPr/>
+        </p:nvCxnSpPr>
+        <p:spPr>
+          <a:xfrm rot="5400000" flipH="1" flipV="1">
+            <a:off x="1773057" y="2264377"/>
+            <a:ext cx="12700" cy="2131352"/>
+          </a:xfrm>
+          <a:prstGeom prst="bentConnector3">
+            <a:avLst>
+              <a:gd name="adj1" fmla="val 3626866"/>
+            </a:avLst>
+          </a:prstGeom>
+        </p:spPr>
+        <p:style>
+          <a:lnRef idx="1">
+            <a:schemeClr val="accent1"/>
+          </a:lnRef>
+          <a:fillRef idx="0">
+            <a:schemeClr val="accent1"/>
+          </a:fillRef>
+          <a:effectRef idx="0">
+            <a:schemeClr val="accent1"/>
+          </a:effectRef>
+          <a:fontRef idx="minor">
+            <a:schemeClr val="tx1"/>
+          </a:fontRef>
+        </p:style>
+      </p:cxnSp>
+      <p:cxnSp>
+        <p:nvCxnSpPr>
+          <p:cNvPr id="57" name="肘形连接符 56"/>
+          <p:cNvCxnSpPr/>
+          <p:nvPr/>
+        </p:nvCxnSpPr>
+        <p:spPr>
+          <a:xfrm rot="5400000" flipH="1" flipV="1">
+            <a:off x="5834257" y="2251676"/>
+            <a:ext cx="12700" cy="2131352"/>
+          </a:xfrm>
+          <a:prstGeom prst="bentConnector3">
+            <a:avLst>
+              <a:gd name="adj1" fmla="val 3626866"/>
+            </a:avLst>
+          </a:prstGeom>
+        </p:spPr>
+        <p:style>
+          <a:lnRef idx="1">
+            <a:schemeClr val="accent1"/>
+          </a:lnRef>
+          <a:fillRef idx="0">
+            <a:schemeClr val="accent1"/>
+          </a:fillRef>
+          <a:effectRef idx="0">
+            <a:schemeClr val="accent1"/>
+          </a:effectRef>
+          <a:fontRef idx="minor">
+            <a:schemeClr val="tx1"/>
+          </a:fontRef>
+        </p:style>
+      </p:cxnSp>
+      <p:cxnSp>
+        <p:nvCxnSpPr>
+          <p:cNvPr id="58" name="肘形连接符 57"/>
+          <p:cNvCxnSpPr/>
+          <p:nvPr/>
+        </p:nvCxnSpPr>
+        <p:spPr>
+          <a:xfrm rot="5400000" flipH="1" flipV="1">
+            <a:off x="10226350" y="2267792"/>
+            <a:ext cx="12700" cy="2131352"/>
+          </a:xfrm>
+          <a:prstGeom prst="bentConnector3">
+            <a:avLst>
+              <a:gd name="adj1" fmla="val 3626866"/>
+            </a:avLst>
+          </a:prstGeom>
+        </p:spPr>
+        <p:style>
+          <a:lnRef idx="1">
+            <a:schemeClr val="accent1"/>
+          </a:lnRef>
+          <a:fillRef idx="0">
+            <a:schemeClr val="accent1"/>
+          </a:fillRef>
+          <a:effectRef idx="0">
+            <a:schemeClr val="accent1"/>
+          </a:effectRef>
+          <a:fontRef idx="minor">
+            <a:schemeClr val="tx1"/>
+          </a:fontRef>
+        </p:style>
+      </p:cxnSp>
     </p:spTree>
     <p:extLst>
       <p:ext uri="{BB962C8B-B14F-4D97-AF65-F5344CB8AC3E}">
@@ -6535,7 +7177,52 @@
           <a:p>
             <a:r>
               <a:rPr lang="zh-CN" altLang="en-US" dirty="0" smtClean="0"/>
-              <a:t>主要功能清单</a:t>
+              <a:t>主</a:t>
+            </a:r>
+            <a:r>
+              <a:rPr lang="zh-CN" altLang="en-US" dirty="0" smtClean="0"/>
+              <a:t>要功能清单 </a:t>
+            </a:r>
+            <a:endParaRPr lang="en-US" altLang="zh-CN" dirty="0" smtClean="0"/>
+          </a:p>
+          <a:p>
+            <a:r>
+              <a:rPr lang="en-US" altLang="zh-CN" dirty="0" smtClean="0"/>
+              <a:t>1.</a:t>
+            </a:r>
+            <a:r>
+              <a:rPr lang="zh-CN" altLang="en-US" dirty="0" smtClean="0"/>
+              <a:t>对接各个业务类型的第三方平台，如</a:t>
+            </a:r>
+            <a:r>
+              <a:rPr lang="en-US" altLang="zh-CN" dirty="0" smtClean="0"/>
+              <a:t>P2P</a:t>
+            </a:r>
+            <a:r>
+              <a:rPr lang="zh-CN" altLang="en-US" dirty="0" smtClean="0"/>
+              <a:t>、助贷、委贷。</a:t>
+            </a:r>
+            <a:endParaRPr lang="en-US" altLang="zh-CN" dirty="0" smtClean="0"/>
+          </a:p>
+          <a:p>
+            <a:r>
+              <a:rPr lang="en-US" altLang="zh-CN" dirty="0" smtClean="0"/>
+              <a:t>2.</a:t>
+            </a:r>
+            <a:r>
+              <a:rPr lang="zh-CN" altLang="en-US" dirty="0" smtClean="0"/>
+              <a:t>对接行外系统，如翼支付、中金、融宝等支付渠道。汇发，同盾等信息采集系统</a:t>
+            </a:r>
+            <a:endParaRPr lang="en-US" altLang="zh-CN" dirty="0" smtClean="0"/>
+          </a:p>
+          <a:p>
+            <a:r>
+              <a:rPr lang="en-US" altLang="zh-CN" dirty="0" smtClean="0"/>
+              <a:t>3.</a:t>
+            </a:r>
+            <a:r>
+              <a:rPr lang="zh-CN" altLang="en-US" dirty="0" smtClean="0"/>
+              <a:t>对接行外第三方机构，如银联、网联、拉卡拉。</a:t>
             </a:r>
             <a:endParaRPr lang="zh-CN" altLang="en-US" dirty="0"/>
           </a:p>
@@ -6588,11 +7275,7 @@
           <a:p>
             <a:r>
               <a:rPr lang="zh-CN" altLang="en-US" dirty="0" smtClean="0"/>
-              <a:t>项目系统架构</a:t>
-            </a:r>
-            <a:r>
-              <a:rPr lang="zh-CN" altLang="en-US" dirty="0" smtClean="0"/>
-              <a:t>说明</a:t>
+              <a:t>项目系统架构说明</a:t>
             </a:r>
             <a:endParaRPr lang="zh-CN" altLang="en-US" dirty="0"/>
           </a:p>
@@ -6654,7 +7337,11 @@
             </a:r>
             <a:r>
               <a:rPr lang="zh-CN" altLang="en-US" dirty="0" smtClean="0"/>
-              <a:t>与行外系统通讯，并对通讯的报文做验签，解密处理。</a:t>
+              <a:t>与行外系统通讯，并对通讯的报文做验签，解密</a:t>
+            </a:r>
+            <a:r>
+              <a:rPr lang="zh-CN" altLang="en-US" dirty="0" smtClean="0"/>
+              <a:t>处理，限流等。</a:t>
             </a:r>
             <a:endParaRPr lang="en-US" altLang="zh-CN" dirty="0" smtClean="0"/>
           </a:p>
@@ -6741,7 +7428,7 @@
           <a:p>
             <a:r>
               <a:rPr lang="zh-CN" altLang="en-US" dirty="0" smtClean="0"/>
-              <a:t>重点业务介绍（可选）（可多项）</a:t>
+              <a:t>项目成效介绍（必须）</a:t>
             </a:r>
             <a:endParaRPr lang="zh-CN" altLang="en-US" dirty="0"/>
           </a:p>
@@ -6759,8 +7446,8 @@
         </p:nvSpPr>
         <p:spPr>
           <a:xfrm>
-            <a:off x="0" y="1128199"/>
-            <a:ext cx="12192000" cy="5301630"/>
+            <a:off x="145143" y="1128199"/>
+            <a:ext cx="11208657" cy="4351338"/>
           </a:xfrm>
         </p:spPr>
         <p:txBody>
@@ -6774,232 +7461,50 @@
             </a:pPr>
             <a:r>
               <a:rPr lang="zh-CN" altLang="en-US" dirty="0" smtClean="0"/>
-              <a:t>可围绕案例中的关键业务点进行介绍</a:t>
+              <a:t>项目开展的营销活动及效果。（用户数量新增、用户活跃度提升、产品销售收入等效果）</a:t>
             </a:r>
             <a:endParaRPr lang="en-US" altLang="zh-CN" dirty="0" smtClean="0"/>
           </a:p>
           <a:p>
-            <a:pPr lvl="1">
+            <a:pPr>
               <a:lnSpc>
                 <a:spcPct val="150000"/>
               </a:lnSpc>
             </a:pPr>
             <a:r>
               <a:rPr lang="zh-CN" altLang="en-US" dirty="0" smtClean="0"/>
-              <a:t>业务模式介绍</a:t>
-            </a:r>
-            <a:endParaRPr lang="en-US" altLang="zh-CN" dirty="0" smtClean="0"/>
-          </a:p>
-          <a:p>
-            <a:pPr lvl="1">
-              <a:lnSpc>
-                <a:spcPct val="150000"/>
-              </a:lnSpc>
-            </a:pPr>
-            <a:r>
-              <a:rPr lang="zh-CN" altLang="en-US" dirty="0" smtClean="0"/>
-              <a:t>业务流程详解</a:t>
-            </a:r>
-            <a:endParaRPr lang="en-US" altLang="zh-CN" dirty="0" smtClean="0"/>
-          </a:p>
-          <a:p>
-            <a:pPr lvl="1">
-              <a:lnSpc>
-                <a:spcPct val="150000"/>
-              </a:lnSpc>
-            </a:pPr>
-            <a:r>
-              <a:rPr lang="zh-CN" altLang="en-US" dirty="0" smtClean="0"/>
-              <a:t>项目实施难点与解决方案</a:t>
-            </a:r>
-            <a:endParaRPr lang="en-US" altLang="zh-CN" dirty="0" smtClean="0"/>
-          </a:p>
-          <a:p>
-            <a:pPr lvl="1">
-              <a:lnSpc>
-                <a:spcPct val="150000"/>
-              </a:lnSpc>
-            </a:pPr>
-            <a:r>
-              <a:rPr lang="zh-CN" altLang="en-US" dirty="0" smtClean="0"/>
-              <a:t>业务盈利模式与分润模式</a:t>
-            </a:r>
-            <a:endParaRPr lang="en-US" altLang="zh-CN" dirty="0" smtClean="0"/>
-          </a:p>
-          <a:p>
-            <a:pPr lvl="1">
-              <a:lnSpc>
-                <a:spcPct val="150000"/>
-              </a:lnSpc>
-            </a:pPr>
-            <a:r>
-              <a:rPr lang="zh-CN" altLang="en-US" dirty="0" smtClean="0"/>
-              <a:t>后续发展规划</a:t>
-            </a:r>
-            <a:endParaRPr lang="en-US" altLang="zh-CN" dirty="0" smtClean="0"/>
+              <a:t>项目相关数据。（用户存量数据、活跃用户数、月均销售数据等</a:t>
+            </a:r>
+            <a:r>
+              <a:rPr lang="zh-CN" altLang="en-US" sz="1800" dirty="0" smtClean="0"/>
+              <a:t>（结合客户考核</a:t>
+            </a:r>
+            <a:r>
+              <a:rPr lang="en-US" altLang="zh-CN" sz="1800" dirty="0" smtClean="0"/>
+              <a:t>KPI</a:t>
+            </a:r>
+            <a:r>
+              <a:rPr lang="zh-CN" altLang="en-US" sz="1800" dirty="0" smtClean="0"/>
+              <a:t>）</a:t>
+            </a:r>
+            <a:r>
+              <a:rPr lang="zh-CN" altLang="en-US" dirty="0"/>
+              <a:t>）</a:t>
+            </a:r>
+            <a:endParaRPr lang="en-US" altLang="zh-CN" dirty="0"/>
           </a:p>
         </p:txBody>
       </p:sp>
     </p:spTree>
     <p:extLst>
       <p:ext uri="{BB962C8B-B14F-4D97-AF65-F5344CB8AC3E}">
-        <p14:creationId xmlns:p14="http://schemas.microsoft.com/office/powerpoint/2010/main" val="3726051503"/>
+        <p14:creationId xmlns:p14="http://schemas.microsoft.com/office/powerpoint/2010/main" val="868421718"/>
       </p:ext>
     </p:extLst>
   </p:cSld>
   <p:clrMapOvr>
     <a:masterClrMapping/>
   </p:clrMapOvr>
-</p:sld>
-</file>
-
-<file path=ppt/slides/slide9.xml><?xml version="1.0" encoding="utf-8"?>
-<p:sld xmlns:a="http://schemas.openxmlformats.org/drawingml/2006/main" xmlns:r="http://schemas.openxmlformats.org/officeDocument/2006/relationships" xmlns:p="http://schemas.openxmlformats.org/presentationml/2006/main">
-  <p:cSld>
-    <p:spTree>
-      <p:nvGrpSpPr>
-        <p:cNvPr id="1" name=""/>
-        <p:cNvGrpSpPr/>
-        <p:nvPr/>
-      </p:nvGrpSpPr>
-      <p:grpSpPr>
-        <a:xfrm>
-          <a:off x="0" y="0"/>
-          <a:ext cx="0" cy="0"/>
-          <a:chOff x="0" y="0"/>
-          <a:chExt cx="0" cy="0"/>
-        </a:xfrm>
-      </p:grpSpPr>
-      <p:sp>
-        <p:nvSpPr>
-          <p:cNvPr id="2" name="标题 1"/>
-          <p:cNvSpPr>
-            <a:spLocks noGrp="1"/>
-          </p:cNvSpPr>
-          <p:nvPr>
-            <p:ph type="title"/>
-          </p:nvPr>
-        </p:nvSpPr>
-        <p:spPr/>
-        <p:txBody>
-          <a:bodyPr/>
-          <a:lstStyle/>
-          <a:p>
-            <a:r>
-              <a:rPr lang="zh-CN" altLang="en-US" dirty="0" smtClean="0"/>
-              <a:t>亮点介绍（可选）（可多项）</a:t>
-            </a:r>
-            <a:endParaRPr lang="zh-CN" altLang="en-US" dirty="0"/>
-          </a:p>
-        </p:txBody>
-      </p:sp>
-      <p:sp>
-        <p:nvSpPr>
-          <p:cNvPr id="3" name="内容占位符 2"/>
-          <p:cNvSpPr>
-            <a:spLocks noGrp="1"/>
-          </p:cNvSpPr>
-          <p:nvPr>
-            <p:ph idx="1"/>
-          </p:nvPr>
-        </p:nvSpPr>
-        <p:spPr>
-          <a:xfrm>
-            <a:off x="431800" y="983056"/>
-            <a:ext cx="11469914" cy="5504830"/>
-          </a:xfrm>
-        </p:spPr>
-        <p:txBody>
-          <a:bodyPr>
-            <a:normAutofit/>
-          </a:bodyPr>
-          <a:lstStyle/>
-          <a:p>
-            <a:pPr>
-              <a:lnSpc>
-                <a:spcPct val="120000"/>
-              </a:lnSpc>
-            </a:pPr>
-            <a:r>
-              <a:rPr lang="zh-CN" altLang="en-US" dirty="0" smtClean="0"/>
-              <a:t>可以是业务亮点、技术亮点</a:t>
-            </a:r>
-            <a:endParaRPr lang="en-US" altLang="zh-CN" dirty="0" smtClean="0"/>
-          </a:p>
-          <a:p>
-            <a:pPr lvl="1">
-              <a:lnSpc>
-                <a:spcPct val="120000"/>
-              </a:lnSpc>
-            </a:pPr>
-            <a:r>
-              <a:rPr lang="zh-CN" altLang="en-US" dirty="0" smtClean="0"/>
-              <a:t>着重说明创新点是什么？是模式创新、技术创新还是体验创新</a:t>
-            </a:r>
-            <a:r>
-              <a:rPr lang="en-US" altLang="zh-CN" dirty="0" smtClean="0"/>
-              <a:t>…</a:t>
-            </a:r>
-            <a:r>
-              <a:rPr lang="zh-CN" altLang="en-US" dirty="0" smtClean="0"/>
-              <a:t>？</a:t>
-            </a:r>
-            <a:endParaRPr lang="en-US" altLang="zh-CN" dirty="0" smtClean="0"/>
-          </a:p>
-          <a:p>
-            <a:pPr lvl="1">
-              <a:lnSpc>
-                <a:spcPct val="120000"/>
-              </a:lnSpc>
-            </a:pPr>
-            <a:r>
-              <a:rPr lang="zh-CN" altLang="en-US" dirty="0" smtClean="0"/>
-              <a:t>应图文并茂</a:t>
-            </a:r>
-            <a:endParaRPr lang="en-US" altLang="zh-CN" dirty="0" smtClean="0"/>
-          </a:p>
-          <a:p>
-            <a:pPr lvl="1">
-              <a:lnSpc>
-                <a:spcPct val="120000"/>
-              </a:lnSpc>
-            </a:pPr>
-            <a:r>
-              <a:rPr lang="zh-CN" altLang="en-US" dirty="0" smtClean="0"/>
-              <a:t>描述应用后的效果如何</a:t>
-            </a:r>
-            <a:r>
-              <a:rPr lang="en-US" altLang="zh-CN" dirty="0" smtClean="0"/>
-              <a:t>…</a:t>
-            </a:r>
-          </a:p>
-          <a:p>
-            <a:pPr>
-              <a:lnSpc>
-                <a:spcPct val="120000"/>
-              </a:lnSpc>
-            </a:pPr>
-            <a:endParaRPr lang="zh-CN" altLang="en-US" dirty="0"/>
-          </a:p>
-        </p:txBody>
-      </p:sp>
-    </p:spTree>
-    <p:extLst>
-      <p:ext uri="{BB962C8B-B14F-4D97-AF65-F5344CB8AC3E}">
-        <p14:creationId xmlns:p14="http://schemas.microsoft.com/office/powerpoint/2010/main" val="1383505801"/>
-      </p:ext>
-    </p:extLst>
-  </p:cSld>
-  <p:clrMapOvr>
-    <a:masterClrMapping/>
-  </p:clrMapOvr>
-  <p:timing>
-    <p:tnLst>
-      <p:par>
-        <p:cTn id="1" dur="indefinite" restart="never" nodeType="tmRoot"/>
-      </p:par>
-    </p:tnLst>
-  </p:timing>
 </p:sld>
 </file>
 

--- a/03案例分享/项目案例.pptx
+++ b/03案例分享/项目案例.pptx
@@ -210,7 +210,7 @@
           <a:p>
             <a:fld id="{6A94A706-AF46-48B8-AC29-64B80E7034C6}" type="datetimeFigureOut">
               <a:rPr lang="zh-CN" altLang="en-US" smtClean="0"/>
-              <a:t>2018/7/18</a:t>
+              <a:t>2018/7/20</a:t>
             </a:fld>
             <a:endParaRPr lang="zh-CN" altLang="en-US"/>
           </a:p>
@@ -375,7 +375,7 @@
           <a:p>
             <a:fld id="{B6BDBB5A-38E1-4322-89CD-4825C7CECB2F}" type="datetimeFigureOut">
               <a:rPr lang="zh-CN" altLang="en-US" smtClean="0"/>
-              <a:t>2018/7/18</a:t>
+              <a:t>2018/7/20</a:t>
             </a:fld>
             <a:endParaRPr lang="zh-CN" altLang="en-US"/>
           </a:p>
@@ -804,7 +804,7 @@
           <a:p>
             <a:fld id="{36B18144-C909-42AB-BDA2-6431DEA04BAF}" type="datetimeFigureOut">
               <a:rPr lang="zh-CN" altLang="en-US" smtClean="0"/>
-              <a:t>2018/7/18</a:t>
+              <a:t>2018/7/20</a:t>
             </a:fld>
             <a:endParaRPr lang="zh-CN" altLang="en-US"/>
           </a:p>
@@ -1013,7 +1013,7 @@
           <a:p>
             <a:fld id="{36B18144-C909-42AB-BDA2-6431DEA04BAF}" type="datetimeFigureOut">
               <a:rPr lang="zh-CN" altLang="en-US" smtClean="0"/>
-              <a:t>2018/7/18</a:t>
+              <a:t>2018/7/20</a:t>
             </a:fld>
             <a:endParaRPr lang="zh-CN" altLang="en-US"/>
           </a:p>
@@ -1224,7 +1224,7 @@
           <a:p>
             <a:fld id="{36B18144-C909-42AB-BDA2-6431DEA04BAF}" type="datetimeFigureOut">
               <a:rPr lang="zh-CN" altLang="en-US" smtClean="0"/>
-              <a:t>2018/7/18</a:t>
+              <a:t>2018/7/20</a:t>
             </a:fld>
             <a:endParaRPr lang="zh-CN" altLang="en-US"/>
           </a:p>
@@ -1350,7 +1350,7 @@
           <a:p>
             <a:fld id="{36B18144-C909-42AB-BDA2-6431DEA04BAF}" type="datetimeFigureOut">
               <a:rPr lang="zh-CN" altLang="en-US" smtClean="0"/>
-              <a:t>2018/7/18</a:t>
+              <a:t>2018/7/20</a:t>
             </a:fld>
             <a:endParaRPr lang="zh-CN" altLang="en-US"/>
           </a:p>
@@ -1601,7 +1601,7 @@
           <a:p>
             <a:fld id="{36B18144-C909-42AB-BDA2-6431DEA04BAF}" type="datetimeFigureOut">
               <a:rPr lang="zh-CN" altLang="en-US" smtClean="0"/>
-              <a:t>2018/7/18</a:t>
+              <a:t>2018/7/20</a:t>
             </a:fld>
             <a:endParaRPr lang="zh-CN" altLang="en-US"/>
           </a:p>
@@ -1866,7 +1866,7 @@
           <a:p>
             <a:fld id="{36B18144-C909-42AB-BDA2-6431DEA04BAF}" type="datetimeFigureOut">
               <a:rPr lang="zh-CN" altLang="en-US" smtClean="0"/>
-              <a:t>2018/7/18</a:t>
+              <a:t>2018/7/20</a:t>
             </a:fld>
             <a:endParaRPr lang="zh-CN" altLang="en-US"/>
           </a:p>
@@ -2200,7 +2200,7 @@
           <a:p>
             <a:fld id="{36B18144-C909-42AB-BDA2-6431DEA04BAF}" type="datetimeFigureOut">
               <a:rPr lang="zh-CN" altLang="en-US" smtClean="0"/>
-              <a:t>2018/7/18</a:t>
+              <a:t>2018/7/20</a:t>
             </a:fld>
             <a:endParaRPr lang="zh-CN" altLang="en-US"/>
           </a:p>
@@ -2471,7 +2471,7 @@
           <a:p>
             <a:fld id="{36B18144-C909-42AB-BDA2-6431DEA04BAF}" type="datetimeFigureOut">
               <a:rPr lang="zh-CN" altLang="en-US" smtClean="0"/>
-              <a:t>2018/7/18</a:t>
+              <a:t>2018/7/20</a:t>
             </a:fld>
             <a:endParaRPr lang="zh-CN" altLang="en-US"/>
           </a:p>
@@ -2869,7 +2869,7 @@
           <a:p>
             <a:fld id="{36B18144-C909-42AB-BDA2-6431DEA04BAF}" type="datetimeFigureOut">
               <a:rPr lang="zh-CN" altLang="en-US" smtClean="0"/>
-              <a:t>2018/7/18</a:t>
+              <a:t>2018/7/20</a:t>
             </a:fld>
             <a:endParaRPr lang="zh-CN" altLang="en-US"/>
           </a:p>
@@ -3026,7 +3026,7 @@
           <a:p>
             <a:fld id="{36B18144-C909-42AB-BDA2-6431DEA04BAF}" type="datetimeFigureOut">
               <a:rPr lang="zh-CN" altLang="en-US" smtClean="0"/>
-              <a:t>2018/7/18</a:t>
+              <a:t>2018/7/20</a:t>
             </a:fld>
             <a:endParaRPr lang="zh-CN" altLang="en-US"/>
           </a:p>
@@ -3166,7 +3166,7 @@
           <a:p>
             <a:fld id="{36B18144-C909-42AB-BDA2-6431DEA04BAF}" type="datetimeFigureOut">
               <a:rPr lang="zh-CN" altLang="en-US" smtClean="0"/>
-              <a:t>2018/7/18</a:t>
+              <a:t>2018/7/20</a:t>
             </a:fld>
             <a:endParaRPr lang="zh-CN" altLang="en-US"/>
           </a:p>
@@ -3474,7 +3474,7 @@
           <a:p>
             <a:fld id="{36B18144-C909-42AB-BDA2-6431DEA04BAF}" type="datetimeFigureOut">
               <a:rPr lang="zh-CN" altLang="en-US" smtClean="0"/>
-              <a:t>2018/7/18</a:t>
+              <a:t>2018/7/20</a:t>
             </a:fld>
             <a:endParaRPr lang="zh-CN" altLang="en-US"/>
           </a:p>
@@ -3762,7 +3762,7 @@
           <a:p>
             <a:fld id="{36B18144-C909-42AB-BDA2-6431DEA04BAF}" type="datetimeFigureOut">
               <a:rPr lang="zh-CN" altLang="en-US" smtClean="0"/>
-              <a:t>2018/7/18</a:t>
+              <a:t>2018/7/20</a:t>
             </a:fld>
             <a:endParaRPr lang="zh-CN" altLang="en-US"/>
           </a:p>
@@ -3997,7 +3997,7 @@
           <a:p>
             <a:fld id="{36B18144-C909-42AB-BDA2-6431DEA04BAF}" type="datetimeFigureOut">
               <a:rPr lang="zh-CN" altLang="en-US" smtClean="0"/>
-              <a:t>2018/7/18</a:t>
+              <a:t>2018/7/20</a:t>
             </a:fld>
             <a:endParaRPr lang="zh-CN" altLang="en-US"/>
           </a:p>
@@ -4765,8 +4765,8 @@
         </p:nvSpPr>
         <p:spPr bwMode="auto">
           <a:xfrm>
-            <a:off x="278970" y="1829346"/>
-            <a:ext cx="4433159" cy="535531"/>
+            <a:off x="278970" y="1685518"/>
+            <a:ext cx="4433159" cy="978729"/>
           </a:xfrm>
           <a:prstGeom prst="rect">
             <a:avLst/>
@@ -4913,10 +4913,10 @@
               </a:lnSpc>
             </a:pPr>
             <a:r>
-              <a:rPr lang="zh-CN" altLang="en-US" sz="1200" b="0" i="0" dirty="0" smtClean="0">
+              <a:rPr lang="zh-CN" altLang="en-US" sz="1200" b="0" i="0" dirty="0">
                 <a:ea typeface="微软雅黑" panose="020B0503020204020204" pitchFamily="34" charset="-122"/>
               </a:rPr>
-              <a:t>银行需要快速对接多家第三方平台，并且确保网络通讯与数据传输的安全性。</a:t>
+              <a:t>外联网关系统是在响应华兴银行三年科技规划改革，为拓展华兴银行电子账户客户规模及提升销售能力而新建的系统。银行需要快速对接多家第三方平台，并且确保网络通讯与数据传输的安全性。</a:t>
             </a:r>
             <a:endParaRPr lang="zh-CN" altLang="en-US" sz="1200" b="0" i="0" dirty="0">
               <a:ea typeface="微软雅黑" panose="020B0503020204020204" pitchFamily="34" charset="-122"/>
@@ -6240,7 +6240,6 @@
               <a:rPr lang="zh-CN" altLang="en-US" dirty="0"/>
               <a:t>机构</a:t>
             </a:r>
-            <a:endParaRPr lang="zh-CN" altLang="en-US" dirty="0"/>
           </a:p>
         </p:txBody>
       </p:sp>
@@ -7177,11 +7176,7 @@
           <a:p>
             <a:r>
               <a:rPr lang="zh-CN" altLang="en-US" dirty="0" smtClean="0"/>
-              <a:t>主</a:t>
-            </a:r>
-            <a:r>
-              <a:rPr lang="zh-CN" altLang="en-US" dirty="0" smtClean="0"/>
-              <a:t>要功能清单 </a:t>
+              <a:t>主要功能清单 </a:t>
             </a:r>
             <a:endParaRPr lang="en-US" altLang="zh-CN" dirty="0" smtClean="0"/>
           </a:p>
@@ -7337,11 +7332,7 @@
             </a:r>
             <a:r>
               <a:rPr lang="zh-CN" altLang="en-US" dirty="0" smtClean="0"/>
-              <a:t>与行外系统通讯，并对通讯的报文做验签，解密</a:t>
-            </a:r>
-            <a:r>
-              <a:rPr lang="zh-CN" altLang="en-US" dirty="0" smtClean="0"/>
-              <a:t>处理，限流等。</a:t>
+              <a:t>与行外系统通讯，并对通讯的报文做验签，解密处理，限流等。</a:t>
             </a:r>
             <a:endParaRPr lang="en-US" altLang="zh-CN" dirty="0" smtClean="0"/>
           </a:p>
@@ -7461,7 +7452,15 @@
             </a:pPr>
             <a:r>
               <a:rPr lang="zh-CN" altLang="en-US" dirty="0" smtClean="0"/>
-              <a:t>项目开展的营销活动及效果。（用户数量新增、用户活跃度提升、产品销售收入等效果）</a:t>
+              <a:t>在前期成功对接几家</a:t>
+            </a:r>
+            <a:r>
+              <a:rPr lang="en-US" altLang="zh-CN" dirty="0" smtClean="0"/>
+              <a:t>P2P</a:t>
+            </a:r>
+            <a:r>
+              <a:rPr lang="zh-CN" altLang="en-US" dirty="0" smtClean="0"/>
+              <a:t>商户，并且成功运营后，在六个月间，成功上线的商户已达上百家，平均月交易量超过三亿。</a:t>
             </a:r>
             <a:endParaRPr lang="en-US" altLang="zh-CN" dirty="0" smtClean="0"/>
           </a:p>
@@ -7471,26 +7470,6 @@
                 <a:spcPct val="150000"/>
               </a:lnSpc>
             </a:pPr>
-            <a:r>
-              <a:rPr lang="zh-CN" altLang="en-US" dirty="0" smtClean="0"/>
-              <a:t>项目相关数据。（用户存量数据、活跃用户数、月均销售数据等</a:t>
-            </a:r>
-            <a:r>
-              <a:rPr lang="zh-CN" altLang="en-US" sz="1800" dirty="0" smtClean="0"/>
-              <a:t>（结合客户考核</a:t>
-            </a:r>
-            <a:r>
-              <a:rPr lang="en-US" altLang="zh-CN" sz="1800" dirty="0" smtClean="0"/>
-              <a:t>KPI</a:t>
-            </a:r>
-            <a:r>
-              <a:rPr lang="zh-CN" altLang="en-US" sz="1800" dirty="0" smtClean="0"/>
-              <a:t>）</a:t>
-            </a:r>
-            <a:r>
-              <a:rPr lang="zh-CN" altLang="en-US" dirty="0"/>
-              <a:t>）</a:t>
-            </a:r>
             <a:endParaRPr lang="en-US" altLang="zh-CN" dirty="0"/>
           </a:p>
         </p:txBody>
